--- a/[PTTKHT]_[NhomBKFS]_[97593]/MÔ HÌNH HÀNH VI.pptx
+++ b/[PTTKHT]_[NhomBKFS]_[97593]/MÔ HÌNH HÀNH VI.pptx
@@ -3,10 +3,10 @@
 <p:presentation xmlns:a="http://schemas.openxmlformats.org/drawingml/2006/main" xmlns:r="http://schemas.openxmlformats.org/officeDocument/2006/relationships" xmlns:p="http://schemas.openxmlformats.org/presentationml/2006/main" saveSubsetFonts="1">
   <p:sldMasterIdLst>
     <p:sldMasterId id="2147483661" r:id="rId1"/>
+    <p:sldMasterId id="2147483704" r:id="rId2"/>
   </p:sldMasterIdLst>
   <p:sldIdLst>
-    <p:sldId id="258" r:id="rId2"/>
-    <p:sldId id="259" r:id="rId3"/>
+    <p:sldId id="258" r:id="rId3"/>
   </p:sldIdLst>
   <p:sldSz cx="12192000" cy="6858000"/>
   <p:notesSz cx="6858000" cy="9144000"/>
@@ -105,6 +105,11 @@
       </a:defRPr>
     </a:lvl9pPr>
   </p:defaultTextStyle>
+  <p:extLst>
+    <p:ext uri="{EFAFB233-063F-42B5-8137-9DF3F51BA10A}">
+      <p15:sldGuideLst xmlns:p15="http://schemas.microsoft.com/office/powerpoint/2012/main"/>
+    </p:ext>
+  </p:extLst>
 </p:presentation>
 </file>
 
@@ -4772,6 +4777,1392 @@
 </p:sldLayout>
 </file>
 
+<file path=ppt/slideLayouts/slideLayout15.xml><?xml version="1.0" encoding="utf-8"?>
+<p:sldLayout xmlns:a="http://schemas.openxmlformats.org/drawingml/2006/main" xmlns:r="http://schemas.openxmlformats.org/officeDocument/2006/relationships" xmlns:p="http://schemas.openxmlformats.org/presentationml/2006/main" type="title" preserve="1">
+  <p:cSld name="Tiêu đề Bản chiếu">
+    <p:spTree>
+      <p:nvGrpSpPr>
+        <p:cNvPr id="1" name=""/>
+        <p:cNvGrpSpPr/>
+        <p:nvPr/>
+      </p:nvGrpSpPr>
+      <p:grpSpPr>
+        <a:xfrm>
+          <a:off x="0" y="0"/>
+          <a:ext cx="0" cy="0"/>
+          <a:chOff x="0" y="0"/>
+          <a:chExt cx="0" cy="0"/>
+        </a:xfrm>
+      </p:grpSpPr>
+      <p:sp>
+        <p:nvSpPr>
+          <p:cNvPr id="2" name="Tiêu đề 1">
+            <a:extLst>
+              <a:ext uri="{FF2B5EF4-FFF2-40B4-BE49-F238E27FC236}">
+                <a16:creationId xmlns:a16="http://schemas.microsoft.com/office/drawing/2014/main" id="{4DE86252-2FA0-4559-8F2C-53BC619722BC}"/>
+              </a:ext>
+            </a:extLst>
+          </p:cNvPr>
+          <p:cNvSpPr>
+            <a:spLocks noGrp="1"/>
+          </p:cNvSpPr>
+          <p:nvPr>
+            <p:ph type="ctrTitle"/>
+          </p:nvPr>
+        </p:nvSpPr>
+        <p:spPr>
+          <a:xfrm>
+            <a:off x="1524000" y="1122363"/>
+            <a:ext cx="9144000" cy="2387600"/>
+          </a:xfrm>
+        </p:spPr>
+        <p:txBody>
+          <a:bodyPr anchor="b"/>
+          <a:lstStyle>
+            <a:lvl1pPr algn="ctr">
+              <a:defRPr sz="6000"/>
+            </a:lvl1pPr>
+          </a:lstStyle>
+          <a:p>
+            <a:r>
+              <a:rPr lang="vi-VN"/>
+              <a:t>Bấm để sửa kiểu tiêu đề Bản cái</a:t>
+            </a:r>
+            <a:endParaRPr lang="en-US"/>
+          </a:p>
+        </p:txBody>
+      </p:sp>
+      <p:sp>
+        <p:nvSpPr>
+          <p:cNvPr id="3" name="Tiêu đề phụ 2">
+            <a:extLst>
+              <a:ext uri="{FF2B5EF4-FFF2-40B4-BE49-F238E27FC236}">
+                <a16:creationId xmlns:a16="http://schemas.microsoft.com/office/drawing/2014/main" id="{5E407047-469E-44AC-AE24-318864A27F8F}"/>
+              </a:ext>
+            </a:extLst>
+          </p:cNvPr>
+          <p:cNvSpPr>
+            <a:spLocks noGrp="1"/>
+          </p:cNvSpPr>
+          <p:nvPr>
+            <p:ph type="subTitle" idx="1"/>
+          </p:nvPr>
+        </p:nvSpPr>
+        <p:spPr>
+          <a:xfrm>
+            <a:off x="1524000" y="3602038"/>
+            <a:ext cx="9144000" cy="1655762"/>
+          </a:xfrm>
+        </p:spPr>
+        <p:txBody>
+          <a:bodyPr/>
+          <a:lstStyle>
+            <a:lvl1pPr marL="0" indent="0" algn="ctr">
+              <a:buNone/>
+              <a:defRPr sz="2400"/>
+            </a:lvl1pPr>
+            <a:lvl2pPr marL="457200" indent="0" algn="ctr">
+              <a:buNone/>
+              <a:defRPr sz="2000"/>
+            </a:lvl2pPr>
+            <a:lvl3pPr marL="914400" indent="0" algn="ctr">
+              <a:buNone/>
+              <a:defRPr sz="1800"/>
+            </a:lvl3pPr>
+            <a:lvl4pPr marL="1371600" indent="0" algn="ctr">
+              <a:buNone/>
+              <a:defRPr sz="1600"/>
+            </a:lvl4pPr>
+            <a:lvl5pPr marL="1828800" indent="0" algn="ctr">
+              <a:buNone/>
+              <a:defRPr sz="1600"/>
+            </a:lvl5pPr>
+            <a:lvl6pPr marL="2286000" indent="0" algn="ctr">
+              <a:buNone/>
+              <a:defRPr sz="1600"/>
+            </a:lvl6pPr>
+            <a:lvl7pPr marL="2743200" indent="0" algn="ctr">
+              <a:buNone/>
+              <a:defRPr sz="1600"/>
+            </a:lvl7pPr>
+            <a:lvl8pPr marL="3200400" indent="0" algn="ctr">
+              <a:buNone/>
+              <a:defRPr sz="1600"/>
+            </a:lvl8pPr>
+            <a:lvl9pPr marL="3657600" indent="0" algn="ctr">
+              <a:buNone/>
+              <a:defRPr sz="1600"/>
+            </a:lvl9pPr>
+          </a:lstStyle>
+          <a:p>
+            <a:r>
+              <a:rPr lang="vi-VN"/>
+              <a:t>Bấm để chỉnh sửa kiểu tiêu đề phụ của Bản cái</a:t>
+            </a:r>
+            <a:endParaRPr lang="en-US"/>
+          </a:p>
+        </p:txBody>
+      </p:sp>
+      <p:sp>
+        <p:nvSpPr>
+          <p:cNvPr id="4" name="Chỗ dành sẵn cho Ngày tháng 3">
+            <a:extLst>
+              <a:ext uri="{FF2B5EF4-FFF2-40B4-BE49-F238E27FC236}">
+                <a16:creationId xmlns:a16="http://schemas.microsoft.com/office/drawing/2014/main" id="{338CF0AA-4477-4BFA-8194-0EEBCBADC665}"/>
+              </a:ext>
+            </a:extLst>
+          </p:cNvPr>
+          <p:cNvSpPr>
+            <a:spLocks noGrp="1"/>
+          </p:cNvSpPr>
+          <p:nvPr>
+            <p:ph type="dt" sz="half" idx="10"/>
+          </p:nvPr>
+        </p:nvSpPr>
+        <p:spPr/>
+        <p:txBody>
+          <a:bodyPr/>
+          <a:lstStyle/>
+          <a:p>
+            <a:fld id="{EE215CE5-BCCD-41D7-85FB-2E8C025DF529}" type="datetimeFigureOut">
+              <a:rPr lang="en-US" smtClean="0"/>
+              <a:t>14/11/2017</a:t>
+            </a:fld>
+            <a:endParaRPr lang="en-US"/>
+          </a:p>
+        </p:txBody>
+      </p:sp>
+      <p:sp>
+        <p:nvSpPr>
+          <p:cNvPr id="5" name="Chỗ dành sẵn cho Chân trang 4">
+            <a:extLst>
+              <a:ext uri="{FF2B5EF4-FFF2-40B4-BE49-F238E27FC236}">
+                <a16:creationId xmlns:a16="http://schemas.microsoft.com/office/drawing/2014/main" id="{7B232B1E-E12B-425E-B3C3-4609EBB019F7}"/>
+              </a:ext>
+            </a:extLst>
+          </p:cNvPr>
+          <p:cNvSpPr>
+            <a:spLocks noGrp="1"/>
+          </p:cNvSpPr>
+          <p:nvPr>
+            <p:ph type="ftr" sz="quarter" idx="11"/>
+          </p:nvPr>
+        </p:nvSpPr>
+        <p:spPr/>
+        <p:txBody>
+          <a:bodyPr/>
+          <a:lstStyle/>
+          <a:p>
+            <a:endParaRPr lang="en-US"/>
+          </a:p>
+        </p:txBody>
+      </p:sp>
+      <p:sp>
+        <p:nvSpPr>
+          <p:cNvPr id="6" name="Chỗ dành sẵn cho Số hiệu Bản chiếu 5">
+            <a:extLst>
+              <a:ext uri="{FF2B5EF4-FFF2-40B4-BE49-F238E27FC236}">
+                <a16:creationId xmlns:a16="http://schemas.microsoft.com/office/drawing/2014/main" id="{B2E402D3-DC77-4315-8485-D212005E1D9A}"/>
+              </a:ext>
+            </a:extLst>
+          </p:cNvPr>
+          <p:cNvSpPr>
+            <a:spLocks noGrp="1"/>
+          </p:cNvSpPr>
+          <p:nvPr>
+            <p:ph type="sldNum" sz="quarter" idx="12"/>
+          </p:nvPr>
+        </p:nvSpPr>
+        <p:spPr/>
+        <p:txBody>
+          <a:bodyPr/>
+          <a:lstStyle/>
+          <a:p>
+            <a:fld id="{A2D14AA6-D2F1-4222-9E22-E112E340BA66}" type="slidenum">
+              <a:rPr lang="en-US" smtClean="0"/>
+              <a:t>‹#›</a:t>
+            </a:fld>
+            <a:endParaRPr lang="en-US"/>
+          </a:p>
+        </p:txBody>
+      </p:sp>
+    </p:spTree>
+    <p:extLst>
+      <p:ext uri="{BB962C8B-B14F-4D97-AF65-F5344CB8AC3E}">
+        <p14:creationId xmlns:p14="http://schemas.microsoft.com/office/powerpoint/2010/main" val="4274718298"/>
+      </p:ext>
+    </p:extLst>
+  </p:cSld>
+  <p:clrMapOvr>
+    <a:masterClrMapping/>
+  </p:clrMapOvr>
+  <p:hf hdr="0" dt="0"/>
+</p:sldLayout>
+</file>
+
+<file path=ppt/slideLayouts/slideLayout16.xml><?xml version="1.0" encoding="utf-8"?>
+<p:sldLayout xmlns:a="http://schemas.openxmlformats.org/drawingml/2006/main" xmlns:r="http://schemas.openxmlformats.org/officeDocument/2006/relationships" xmlns:p="http://schemas.openxmlformats.org/presentationml/2006/main" type="obj" preserve="1">
+  <p:cSld name="Tiêu đề và Nội dung">
+    <p:spTree>
+      <p:nvGrpSpPr>
+        <p:cNvPr id="1" name=""/>
+        <p:cNvGrpSpPr/>
+        <p:nvPr/>
+      </p:nvGrpSpPr>
+      <p:grpSpPr>
+        <a:xfrm>
+          <a:off x="0" y="0"/>
+          <a:ext cx="0" cy="0"/>
+          <a:chOff x="0" y="0"/>
+          <a:chExt cx="0" cy="0"/>
+        </a:xfrm>
+      </p:grpSpPr>
+      <p:sp>
+        <p:nvSpPr>
+          <p:cNvPr id="2" name="Tiêu đề 1">
+            <a:extLst>
+              <a:ext uri="{FF2B5EF4-FFF2-40B4-BE49-F238E27FC236}">
+                <a16:creationId xmlns:a16="http://schemas.microsoft.com/office/drawing/2014/main" id="{4E4FF6C5-C687-40DA-9F25-EE2C8618B04D}"/>
+              </a:ext>
+            </a:extLst>
+          </p:cNvPr>
+          <p:cNvSpPr>
+            <a:spLocks noGrp="1"/>
+          </p:cNvSpPr>
+          <p:nvPr>
+            <p:ph type="title"/>
+          </p:nvPr>
+        </p:nvSpPr>
+        <p:spPr/>
+        <p:txBody>
+          <a:bodyPr/>
+          <a:lstStyle/>
+          <a:p>
+            <a:r>
+              <a:rPr lang="vi-VN"/>
+              <a:t>Bấm để sửa kiểu tiêu đề Bản cái</a:t>
+            </a:r>
+            <a:endParaRPr lang="en-US"/>
+          </a:p>
+        </p:txBody>
+      </p:sp>
+      <p:sp>
+        <p:nvSpPr>
+          <p:cNvPr id="3" name="Chỗ dành sẵn cho Nội dung 2">
+            <a:extLst>
+              <a:ext uri="{FF2B5EF4-FFF2-40B4-BE49-F238E27FC236}">
+                <a16:creationId xmlns:a16="http://schemas.microsoft.com/office/drawing/2014/main" id="{219A9A4A-70E8-49C6-B3A5-8AA95BDDE335}"/>
+              </a:ext>
+            </a:extLst>
+          </p:cNvPr>
+          <p:cNvSpPr>
+            <a:spLocks noGrp="1"/>
+          </p:cNvSpPr>
+          <p:nvPr>
+            <p:ph idx="1"/>
+          </p:nvPr>
+        </p:nvSpPr>
+        <p:spPr/>
+        <p:txBody>
+          <a:bodyPr/>
+          <a:lstStyle/>
+          <a:p>
+            <a:pPr lvl="0"/>
+            <a:r>
+              <a:rPr lang="vi-VN"/>
+              <a:t>Chỉnh sửa kiểu văn bản của Bản cái</a:t>
+            </a:r>
+          </a:p>
+          <a:p>
+            <a:pPr lvl="1"/>
+            <a:r>
+              <a:rPr lang="vi-VN"/>
+              <a:t>Mức hai</a:t>
+            </a:r>
+          </a:p>
+          <a:p>
+            <a:pPr lvl="2"/>
+            <a:r>
+              <a:rPr lang="vi-VN"/>
+              <a:t>Mức ba</a:t>
+            </a:r>
+          </a:p>
+          <a:p>
+            <a:pPr lvl="3"/>
+            <a:r>
+              <a:rPr lang="vi-VN"/>
+              <a:t>Mức bốn</a:t>
+            </a:r>
+          </a:p>
+          <a:p>
+            <a:pPr lvl="4"/>
+            <a:r>
+              <a:rPr lang="vi-VN"/>
+              <a:t>Mức năm</a:t>
+            </a:r>
+            <a:endParaRPr lang="en-US"/>
+          </a:p>
+        </p:txBody>
+      </p:sp>
+      <p:sp>
+        <p:nvSpPr>
+          <p:cNvPr id="4" name="Chỗ dành sẵn cho Ngày tháng 3">
+            <a:extLst>
+              <a:ext uri="{FF2B5EF4-FFF2-40B4-BE49-F238E27FC236}">
+                <a16:creationId xmlns:a16="http://schemas.microsoft.com/office/drawing/2014/main" id="{9324C8D3-161B-4CC3-92AE-6073286D8D2A}"/>
+              </a:ext>
+            </a:extLst>
+          </p:cNvPr>
+          <p:cNvSpPr>
+            <a:spLocks noGrp="1"/>
+          </p:cNvSpPr>
+          <p:nvPr>
+            <p:ph type="dt" sz="half" idx="10"/>
+          </p:nvPr>
+        </p:nvSpPr>
+        <p:spPr/>
+        <p:txBody>
+          <a:bodyPr/>
+          <a:lstStyle/>
+          <a:p>
+            <a:fld id="{EE215CE5-BCCD-41D7-85FB-2E8C025DF529}" type="datetimeFigureOut">
+              <a:rPr lang="en-US" smtClean="0"/>
+              <a:t>14/11/2017</a:t>
+            </a:fld>
+            <a:endParaRPr lang="en-US"/>
+          </a:p>
+        </p:txBody>
+      </p:sp>
+      <p:sp>
+        <p:nvSpPr>
+          <p:cNvPr id="5" name="Chỗ dành sẵn cho Chân trang 4">
+            <a:extLst>
+              <a:ext uri="{FF2B5EF4-FFF2-40B4-BE49-F238E27FC236}">
+                <a16:creationId xmlns:a16="http://schemas.microsoft.com/office/drawing/2014/main" id="{00F0CA7D-F2DE-4D3F-B729-9D6C03FE9A3C}"/>
+              </a:ext>
+            </a:extLst>
+          </p:cNvPr>
+          <p:cNvSpPr>
+            <a:spLocks noGrp="1"/>
+          </p:cNvSpPr>
+          <p:nvPr>
+            <p:ph type="ftr" sz="quarter" idx="11"/>
+          </p:nvPr>
+        </p:nvSpPr>
+        <p:spPr/>
+        <p:txBody>
+          <a:bodyPr/>
+          <a:lstStyle/>
+          <a:p>
+            <a:endParaRPr lang="en-US"/>
+          </a:p>
+        </p:txBody>
+      </p:sp>
+      <p:sp>
+        <p:nvSpPr>
+          <p:cNvPr id="6" name="Chỗ dành sẵn cho Số hiệu Bản chiếu 5">
+            <a:extLst>
+              <a:ext uri="{FF2B5EF4-FFF2-40B4-BE49-F238E27FC236}">
+                <a16:creationId xmlns:a16="http://schemas.microsoft.com/office/drawing/2014/main" id="{7694FFCF-E7C9-4C77-904B-63D13179B525}"/>
+              </a:ext>
+            </a:extLst>
+          </p:cNvPr>
+          <p:cNvSpPr>
+            <a:spLocks noGrp="1"/>
+          </p:cNvSpPr>
+          <p:nvPr>
+            <p:ph type="sldNum" sz="quarter" idx="12"/>
+          </p:nvPr>
+        </p:nvSpPr>
+        <p:spPr/>
+        <p:txBody>
+          <a:bodyPr/>
+          <a:lstStyle/>
+          <a:p>
+            <a:fld id="{A2D14AA6-D2F1-4222-9E22-E112E340BA66}" type="slidenum">
+              <a:rPr lang="en-US" smtClean="0"/>
+              <a:t>‹#›</a:t>
+            </a:fld>
+            <a:endParaRPr lang="en-US"/>
+          </a:p>
+        </p:txBody>
+      </p:sp>
+    </p:spTree>
+    <p:extLst>
+      <p:ext uri="{BB962C8B-B14F-4D97-AF65-F5344CB8AC3E}">
+        <p14:creationId xmlns:p14="http://schemas.microsoft.com/office/powerpoint/2010/main" val="599517108"/>
+      </p:ext>
+    </p:extLst>
+  </p:cSld>
+  <p:clrMapOvr>
+    <a:masterClrMapping/>
+  </p:clrMapOvr>
+  <p:hf hdr="0" dt="0"/>
+</p:sldLayout>
+</file>
+
+<file path=ppt/slideLayouts/slideLayout17.xml><?xml version="1.0" encoding="utf-8"?>
+<p:sldLayout xmlns:a="http://schemas.openxmlformats.org/drawingml/2006/main" xmlns:r="http://schemas.openxmlformats.org/officeDocument/2006/relationships" xmlns:p="http://schemas.openxmlformats.org/presentationml/2006/main" type="secHead" preserve="1">
+  <p:cSld name="Đầu trang của Phần">
+    <p:spTree>
+      <p:nvGrpSpPr>
+        <p:cNvPr id="1" name=""/>
+        <p:cNvGrpSpPr/>
+        <p:nvPr/>
+      </p:nvGrpSpPr>
+      <p:grpSpPr>
+        <a:xfrm>
+          <a:off x="0" y="0"/>
+          <a:ext cx="0" cy="0"/>
+          <a:chOff x="0" y="0"/>
+          <a:chExt cx="0" cy="0"/>
+        </a:xfrm>
+      </p:grpSpPr>
+      <p:sp>
+        <p:nvSpPr>
+          <p:cNvPr id="2" name="Tiêu đề 1">
+            <a:extLst>
+              <a:ext uri="{FF2B5EF4-FFF2-40B4-BE49-F238E27FC236}">
+                <a16:creationId xmlns:a16="http://schemas.microsoft.com/office/drawing/2014/main" id="{40C00763-0782-49AE-AA3A-7224106EF9EA}"/>
+              </a:ext>
+            </a:extLst>
+          </p:cNvPr>
+          <p:cNvSpPr>
+            <a:spLocks noGrp="1"/>
+          </p:cNvSpPr>
+          <p:nvPr>
+            <p:ph type="title"/>
+          </p:nvPr>
+        </p:nvSpPr>
+        <p:spPr>
+          <a:xfrm>
+            <a:off x="831850" y="1709738"/>
+            <a:ext cx="10515600" cy="2852737"/>
+          </a:xfrm>
+        </p:spPr>
+        <p:txBody>
+          <a:bodyPr anchor="b"/>
+          <a:lstStyle>
+            <a:lvl1pPr>
+              <a:defRPr sz="6000"/>
+            </a:lvl1pPr>
+          </a:lstStyle>
+          <a:p>
+            <a:r>
+              <a:rPr lang="vi-VN"/>
+              <a:t>Bấm để sửa kiểu tiêu đề Bản cái</a:t>
+            </a:r>
+            <a:endParaRPr lang="en-US"/>
+          </a:p>
+        </p:txBody>
+      </p:sp>
+      <p:sp>
+        <p:nvSpPr>
+          <p:cNvPr id="3" name="Chỗ dành sẵn cho Văn bản 2">
+            <a:extLst>
+              <a:ext uri="{FF2B5EF4-FFF2-40B4-BE49-F238E27FC236}">
+                <a16:creationId xmlns:a16="http://schemas.microsoft.com/office/drawing/2014/main" id="{96E7C065-99EC-4C2B-88D6-0EE24681A0B3}"/>
+              </a:ext>
+            </a:extLst>
+          </p:cNvPr>
+          <p:cNvSpPr>
+            <a:spLocks noGrp="1"/>
+          </p:cNvSpPr>
+          <p:nvPr>
+            <p:ph type="body" idx="1"/>
+          </p:nvPr>
+        </p:nvSpPr>
+        <p:spPr>
+          <a:xfrm>
+            <a:off x="831850" y="4589463"/>
+            <a:ext cx="10515600" cy="1500187"/>
+          </a:xfrm>
+        </p:spPr>
+        <p:txBody>
+          <a:bodyPr/>
+          <a:lstStyle>
+            <a:lvl1pPr marL="0" indent="0">
+              <a:buNone/>
+              <a:defRPr sz="2400">
+                <a:solidFill>
+                  <a:schemeClr val="tx1">
+                    <a:tint val="75000"/>
+                  </a:schemeClr>
+                </a:solidFill>
+              </a:defRPr>
+            </a:lvl1pPr>
+            <a:lvl2pPr marL="457200" indent="0">
+              <a:buNone/>
+              <a:defRPr sz="2000">
+                <a:solidFill>
+                  <a:schemeClr val="tx1">
+                    <a:tint val="75000"/>
+                  </a:schemeClr>
+                </a:solidFill>
+              </a:defRPr>
+            </a:lvl2pPr>
+            <a:lvl3pPr marL="914400" indent="0">
+              <a:buNone/>
+              <a:defRPr sz="1800">
+                <a:solidFill>
+                  <a:schemeClr val="tx1">
+                    <a:tint val="75000"/>
+                  </a:schemeClr>
+                </a:solidFill>
+              </a:defRPr>
+            </a:lvl3pPr>
+            <a:lvl4pPr marL="1371600" indent="0">
+              <a:buNone/>
+              <a:defRPr sz="1600">
+                <a:solidFill>
+                  <a:schemeClr val="tx1">
+                    <a:tint val="75000"/>
+                  </a:schemeClr>
+                </a:solidFill>
+              </a:defRPr>
+            </a:lvl4pPr>
+            <a:lvl5pPr marL="1828800" indent="0">
+              <a:buNone/>
+              <a:defRPr sz="1600">
+                <a:solidFill>
+                  <a:schemeClr val="tx1">
+                    <a:tint val="75000"/>
+                  </a:schemeClr>
+                </a:solidFill>
+              </a:defRPr>
+            </a:lvl5pPr>
+            <a:lvl6pPr marL="2286000" indent="0">
+              <a:buNone/>
+              <a:defRPr sz="1600">
+                <a:solidFill>
+                  <a:schemeClr val="tx1">
+                    <a:tint val="75000"/>
+                  </a:schemeClr>
+                </a:solidFill>
+              </a:defRPr>
+            </a:lvl6pPr>
+            <a:lvl7pPr marL="2743200" indent="0">
+              <a:buNone/>
+              <a:defRPr sz="1600">
+                <a:solidFill>
+                  <a:schemeClr val="tx1">
+                    <a:tint val="75000"/>
+                  </a:schemeClr>
+                </a:solidFill>
+              </a:defRPr>
+            </a:lvl7pPr>
+            <a:lvl8pPr marL="3200400" indent="0">
+              <a:buNone/>
+              <a:defRPr sz="1600">
+                <a:solidFill>
+                  <a:schemeClr val="tx1">
+                    <a:tint val="75000"/>
+                  </a:schemeClr>
+                </a:solidFill>
+              </a:defRPr>
+            </a:lvl8pPr>
+            <a:lvl9pPr marL="3657600" indent="0">
+              <a:buNone/>
+              <a:defRPr sz="1600">
+                <a:solidFill>
+                  <a:schemeClr val="tx1">
+                    <a:tint val="75000"/>
+                  </a:schemeClr>
+                </a:solidFill>
+              </a:defRPr>
+            </a:lvl9pPr>
+          </a:lstStyle>
+          <a:p>
+            <a:pPr lvl="0"/>
+            <a:r>
+              <a:rPr lang="vi-VN"/>
+              <a:t>Chỉnh sửa kiểu văn bản của Bản cái</a:t>
+            </a:r>
+          </a:p>
+        </p:txBody>
+      </p:sp>
+      <p:sp>
+        <p:nvSpPr>
+          <p:cNvPr id="4" name="Chỗ dành sẵn cho Ngày tháng 3">
+            <a:extLst>
+              <a:ext uri="{FF2B5EF4-FFF2-40B4-BE49-F238E27FC236}">
+                <a16:creationId xmlns:a16="http://schemas.microsoft.com/office/drawing/2014/main" id="{78E2B200-6B91-4F30-BEEB-1A9F7A931427}"/>
+              </a:ext>
+            </a:extLst>
+          </p:cNvPr>
+          <p:cNvSpPr>
+            <a:spLocks noGrp="1"/>
+          </p:cNvSpPr>
+          <p:nvPr>
+            <p:ph type="dt" sz="half" idx="10"/>
+          </p:nvPr>
+        </p:nvSpPr>
+        <p:spPr/>
+        <p:txBody>
+          <a:bodyPr/>
+          <a:lstStyle/>
+          <a:p>
+            <a:fld id="{EE215CE5-BCCD-41D7-85FB-2E8C025DF529}" type="datetimeFigureOut">
+              <a:rPr lang="en-US" smtClean="0"/>
+              <a:t>14/11/2017</a:t>
+            </a:fld>
+            <a:endParaRPr lang="en-US"/>
+          </a:p>
+        </p:txBody>
+      </p:sp>
+      <p:sp>
+        <p:nvSpPr>
+          <p:cNvPr id="5" name="Chỗ dành sẵn cho Chân trang 4">
+            <a:extLst>
+              <a:ext uri="{FF2B5EF4-FFF2-40B4-BE49-F238E27FC236}">
+                <a16:creationId xmlns:a16="http://schemas.microsoft.com/office/drawing/2014/main" id="{560DA4AB-710C-484C-8074-3A036DF4767C}"/>
+              </a:ext>
+            </a:extLst>
+          </p:cNvPr>
+          <p:cNvSpPr>
+            <a:spLocks noGrp="1"/>
+          </p:cNvSpPr>
+          <p:nvPr>
+            <p:ph type="ftr" sz="quarter" idx="11"/>
+          </p:nvPr>
+        </p:nvSpPr>
+        <p:spPr/>
+        <p:txBody>
+          <a:bodyPr/>
+          <a:lstStyle/>
+          <a:p>
+            <a:endParaRPr lang="en-US"/>
+          </a:p>
+        </p:txBody>
+      </p:sp>
+      <p:sp>
+        <p:nvSpPr>
+          <p:cNvPr id="6" name="Chỗ dành sẵn cho Số hiệu Bản chiếu 5">
+            <a:extLst>
+              <a:ext uri="{FF2B5EF4-FFF2-40B4-BE49-F238E27FC236}">
+                <a16:creationId xmlns:a16="http://schemas.microsoft.com/office/drawing/2014/main" id="{743D4626-BE85-4A1A-A8B3-B8D296731921}"/>
+              </a:ext>
+            </a:extLst>
+          </p:cNvPr>
+          <p:cNvSpPr>
+            <a:spLocks noGrp="1"/>
+          </p:cNvSpPr>
+          <p:nvPr>
+            <p:ph type="sldNum" sz="quarter" idx="12"/>
+          </p:nvPr>
+        </p:nvSpPr>
+        <p:spPr/>
+        <p:txBody>
+          <a:bodyPr/>
+          <a:lstStyle/>
+          <a:p>
+            <a:fld id="{A2D14AA6-D2F1-4222-9E22-E112E340BA66}" type="slidenum">
+              <a:rPr lang="en-US" smtClean="0"/>
+              <a:t>‹#›</a:t>
+            </a:fld>
+            <a:endParaRPr lang="en-US"/>
+          </a:p>
+        </p:txBody>
+      </p:sp>
+    </p:spTree>
+    <p:extLst>
+      <p:ext uri="{BB962C8B-B14F-4D97-AF65-F5344CB8AC3E}">
+        <p14:creationId xmlns:p14="http://schemas.microsoft.com/office/powerpoint/2010/main" val="3005708328"/>
+      </p:ext>
+    </p:extLst>
+  </p:cSld>
+  <p:clrMapOvr>
+    <a:masterClrMapping/>
+  </p:clrMapOvr>
+  <p:hf hdr="0" dt="0"/>
+</p:sldLayout>
+</file>
+
+<file path=ppt/slideLayouts/slideLayout18.xml><?xml version="1.0" encoding="utf-8"?>
+<p:sldLayout xmlns:a="http://schemas.openxmlformats.org/drawingml/2006/main" xmlns:r="http://schemas.openxmlformats.org/officeDocument/2006/relationships" xmlns:p="http://schemas.openxmlformats.org/presentationml/2006/main" type="twoObj" preserve="1">
+  <p:cSld name="Hai Nội dung">
+    <p:spTree>
+      <p:nvGrpSpPr>
+        <p:cNvPr id="1" name=""/>
+        <p:cNvGrpSpPr/>
+        <p:nvPr/>
+      </p:nvGrpSpPr>
+      <p:grpSpPr>
+        <a:xfrm>
+          <a:off x="0" y="0"/>
+          <a:ext cx="0" cy="0"/>
+          <a:chOff x="0" y="0"/>
+          <a:chExt cx="0" cy="0"/>
+        </a:xfrm>
+      </p:grpSpPr>
+      <p:sp>
+        <p:nvSpPr>
+          <p:cNvPr id="2" name="Tiêu đề 1">
+            <a:extLst>
+              <a:ext uri="{FF2B5EF4-FFF2-40B4-BE49-F238E27FC236}">
+                <a16:creationId xmlns:a16="http://schemas.microsoft.com/office/drawing/2014/main" id="{DC5F95D1-D06A-4162-B51E-57CFE50EFFD7}"/>
+              </a:ext>
+            </a:extLst>
+          </p:cNvPr>
+          <p:cNvSpPr>
+            <a:spLocks noGrp="1"/>
+          </p:cNvSpPr>
+          <p:nvPr>
+            <p:ph type="title"/>
+          </p:nvPr>
+        </p:nvSpPr>
+        <p:spPr/>
+        <p:txBody>
+          <a:bodyPr/>
+          <a:lstStyle/>
+          <a:p>
+            <a:r>
+              <a:rPr lang="vi-VN"/>
+              <a:t>Bấm để sửa kiểu tiêu đề Bản cái</a:t>
+            </a:r>
+            <a:endParaRPr lang="en-US"/>
+          </a:p>
+        </p:txBody>
+      </p:sp>
+      <p:sp>
+        <p:nvSpPr>
+          <p:cNvPr id="3" name="Chỗ dành sẵn cho Nội dung 2">
+            <a:extLst>
+              <a:ext uri="{FF2B5EF4-FFF2-40B4-BE49-F238E27FC236}">
+                <a16:creationId xmlns:a16="http://schemas.microsoft.com/office/drawing/2014/main" id="{FC453ED6-77F4-4BA9-96CD-4FB8DAE2E9FB}"/>
+              </a:ext>
+            </a:extLst>
+          </p:cNvPr>
+          <p:cNvSpPr>
+            <a:spLocks noGrp="1"/>
+          </p:cNvSpPr>
+          <p:nvPr>
+            <p:ph sz="half" idx="1"/>
+          </p:nvPr>
+        </p:nvSpPr>
+        <p:spPr>
+          <a:xfrm>
+            <a:off x="838200" y="1825625"/>
+            <a:ext cx="5181600" cy="4351338"/>
+          </a:xfrm>
+        </p:spPr>
+        <p:txBody>
+          <a:bodyPr/>
+          <a:lstStyle/>
+          <a:p>
+            <a:pPr lvl="0"/>
+            <a:r>
+              <a:rPr lang="vi-VN"/>
+              <a:t>Chỉnh sửa kiểu văn bản của Bản cái</a:t>
+            </a:r>
+          </a:p>
+          <a:p>
+            <a:pPr lvl="1"/>
+            <a:r>
+              <a:rPr lang="vi-VN"/>
+              <a:t>Mức hai</a:t>
+            </a:r>
+          </a:p>
+          <a:p>
+            <a:pPr lvl="2"/>
+            <a:r>
+              <a:rPr lang="vi-VN"/>
+              <a:t>Mức ba</a:t>
+            </a:r>
+          </a:p>
+          <a:p>
+            <a:pPr lvl="3"/>
+            <a:r>
+              <a:rPr lang="vi-VN"/>
+              <a:t>Mức bốn</a:t>
+            </a:r>
+          </a:p>
+          <a:p>
+            <a:pPr lvl="4"/>
+            <a:r>
+              <a:rPr lang="vi-VN"/>
+              <a:t>Mức năm</a:t>
+            </a:r>
+            <a:endParaRPr lang="en-US"/>
+          </a:p>
+        </p:txBody>
+      </p:sp>
+      <p:sp>
+        <p:nvSpPr>
+          <p:cNvPr id="4" name="Chỗ dành sẵn cho Nội dung 3">
+            <a:extLst>
+              <a:ext uri="{FF2B5EF4-FFF2-40B4-BE49-F238E27FC236}">
+                <a16:creationId xmlns:a16="http://schemas.microsoft.com/office/drawing/2014/main" id="{7F39B34B-9945-4567-B85E-50000BFD3B7A}"/>
+              </a:ext>
+            </a:extLst>
+          </p:cNvPr>
+          <p:cNvSpPr>
+            <a:spLocks noGrp="1"/>
+          </p:cNvSpPr>
+          <p:nvPr>
+            <p:ph sz="half" idx="2"/>
+          </p:nvPr>
+        </p:nvSpPr>
+        <p:spPr>
+          <a:xfrm>
+            <a:off x="6172200" y="1825625"/>
+            <a:ext cx="5181600" cy="4351338"/>
+          </a:xfrm>
+        </p:spPr>
+        <p:txBody>
+          <a:bodyPr/>
+          <a:lstStyle/>
+          <a:p>
+            <a:pPr lvl="0"/>
+            <a:r>
+              <a:rPr lang="vi-VN"/>
+              <a:t>Chỉnh sửa kiểu văn bản của Bản cái</a:t>
+            </a:r>
+          </a:p>
+          <a:p>
+            <a:pPr lvl="1"/>
+            <a:r>
+              <a:rPr lang="vi-VN"/>
+              <a:t>Mức hai</a:t>
+            </a:r>
+          </a:p>
+          <a:p>
+            <a:pPr lvl="2"/>
+            <a:r>
+              <a:rPr lang="vi-VN"/>
+              <a:t>Mức ba</a:t>
+            </a:r>
+          </a:p>
+          <a:p>
+            <a:pPr lvl="3"/>
+            <a:r>
+              <a:rPr lang="vi-VN"/>
+              <a:t>Mức bốn</a:t>
+            </a:r>
+          </a:p>
+          <a:p>
+            <a:pPr lvl="4"/>
+            <a:r>
+              <a:rPr lang="vi-VN"/>
+              <a:t>Mức năm</a:t>
+            </a:r>
+            <a:endParaRPr lang="en-US"/>
+          </a:p>
+        </p:txBody>
+      </p:sp>
+      <p:sp>
+        <p:nvSpPr>
+          <p:cNvPr id="5" name="Chỗ dành sẵn cho Ngày tháng 4">
+            <a:extLst>
+              <a:ext uri="{FF2B5EF4-FFF2-40B4-BE49-F238E27FC236}">
+                <a16:creationId xmlns:a16="http://schemas.microsoft.com/office/drawing/2014/main" id="{8CC58D08-4C5B-49C3-B2D6-EB4C1E0198A7}"/>
+              </a:ext>
+            </a:extLst>
+          </p:cNvPr>
+          <p:cNvSpPr>
+            <a:spLocks noGrp="1"/>
+          </p:cNvSpPr>
+          <p:nvPr>
+            <p:ph type="dt" sz="half" idx="10"/>
+          </p:nvPr>
+        </p:nvSpPr>
+        <p:spPr/>
+        <p:txBody>
+          <a:bodyPr/>
+          <a:lstStyle/>
+          <a:p>
+            <a:fld id="{EE215CE5-BCCD-41D7-85FB-2E8C025DF529}" type="datetimeFigureOut">
+              <a:rPr lang="en-US" smtClean="0"/>
+              <a:t>14/11/2017</a:t>
+            </a:fld>
+            <a:endParaRPr lang="en-US"/>
+          </a:p>
+        </p:txBody>
+      </p:sp>
+      <p:sp>
+        <p:nvSpPr>
+          <p:cNvPr id="6" name="Chỗ dành sẵn cho Chân trang 5">
+            <a:extLst>
+              <a:ext uri="{FF2B5EF4-FFF2-40B4-BE49-F238E27FC236}">
+                <a16:creationId xmlns:a16="http://schemas.microsoft.com/office/drawing/2014/main" id="{488D5298-7870-4C8D-A908-2577B7E23C29}"/>
+              </a:ext>
+            </a:extLst>
+          </p:cNvPr>
+          <p:cNvSpPr>
+            <a:spLocks noGrp="1"/>
+          </p:cNvSpPr>
+          <p:nvPr>
+            <p:ph type="ftr" sz="quarter" idx="11"/>
+          </p:nvPr>
+        </p:nvSpPr>
+        <p:spPr/>
+        <p:txBody>
+          <a:bodyPr/>
+          <a:lstStyle/>
+          <a:p>
+            <a:endParaRPr lang="en-US"/>
+          </a:p>
+        </p:txBody>
+      </p:sp>
+      <p:sp>
+        <p:nvSpPr>
+          <p:cNvPr id="7" name="Chỗ dành sẵn cho Số hiệu Bản chiếu 6">
+            <a:extLst>
+              <a:ext uri="{FF2B5EF4-FFF2-40B4-BE49-F238E27FC236}">
+                <a16:creationId xmlns:a16="http://schemas.microsoft.com/office/drawing/2014/main" id="{192B3DEB-33CA-4432-9B82-F63839DD95E5}"/>
+              </a:ext>
+            </a:extLst>
+          </p:cNvPr>
+          <p:cNvSpPr>
+            <a:spLocks noGrp="1"/>
+          </p:cNvSpPr>
+          <p:nvPr>
+            <p:ph type="sldNum" sz="quarter" idx="12"/>
+          </p:nvPr>
+        </p:nvSpPr>
+        <p:spPr/>
+        <p:txBody>
+          <a:bodyPr/>
+          <a:lstStyle/>
+          <a:p>
+            <a:fld id="{A2D14AA6-D2F1-4222-9E22-E112E340BA66}" type="slidenum">
+              <a:rPr lang="en-US" smtClean="0"/>
+              <a:t>‹#›</a:t>
+            </a:fld>
+            <a:endParaRPr lang="en-US"/>
+          </a:p>
+        </p:txBody>
+      </p:sp>
+    </p:spTree>
+    <p:extLst>
+      <p:ext uri="{BB962C8B-B14F-4D97-AF65-F5344CB8AC3E}">
+        <p14:creationId xmlns:p14="http://schemas.microsoft.com/office/powerpoint/2010/main" val="2944012460"/>
+      </p:ext>
+    </p:extLst>
+  </p:cSld>
+  <p:clrMapOvr>
+    <a:masterClrMapping/>
+  </p:clrMapOvr>
+  <p:hf hdr="0" dt="0"/>
+</p:sldLayout>
+</file>
+
+<file path=ppt/slideLayouts/slideLayout19.xml><?xml version="1.0" encoding="utf-8"?>
+<p:sldLayout xmlns:a="http://schemas.openxmlformats.org/drawingml/2006/main" xmlns:r="http://schemas.openxmlformats.org/officeDocument/2006/relationships" xmlns:p="http://schemas.openxmlformats.org/presentationml/2006/main" type="twoTxTwoObj" preserve="1">
+  <p:cSld name="Phép so sánh">
+    <p:spTree>
+      <p:nvGrpSpPr>
+        <p:cNvPr id="1" name=""/>
+        <p:cNvGrpSpPr/>
+        <p:nvPr/>
+      </p:nvGrpSpPr>
+      <p:grpSpPr>
+        <a:xfrm>
+          <a:off x="0" y="0"/>
+          <a:ext cx="0" cy="0"/>
+          <a:chOff x="0" y="0"/>
+          <a:chExt cx="0" cy="0"/>
+        </a:xfrm>
+      </p:grpSpPr>
+      <p:sp>
+        <p:nvSpPr>
+          <p:cNvPr id="2" name="Tiêu đề 1">
+            <a:extLst>
+              <a:ext uri="{FF2B5EF4-FFF2-40B4-BE49-F238E27FC236}">
+                <a16:creationId xmlns:a16="http://schemas.microsoft.com/office/drawing/2014/main" id="{74F903BF-44D2-4C6E-8633-F21BE7E7FE99}"/>
+              </a:ext>
+            </a:extLst>
+          </p:cNvPr>
+          <p:cNvSpPr>
+            <a:spLocks noGrp="1"/>
+          </p:cNvSpPr>
+          <p:nvPr>
+            <p:ph type="title"/>
+          </p:nvPr>
+        </p:nvSpPr>
+        <p:spPr>
+          <a:xfrm>
+            <a:off x="839788" y="365125"/>
+            <a:ext cx="10515600" cy="1325563"/>
+          </a:xfrm>
+        </p:spPr>
+        <p:txBody>
+          <a:bodyPr/>
+          <a:lstStyle/>
+          <a:p>
+            <a:r>
+              <a:rPr lang="vi-VN"/>
+              <a:t>Bấm để sửa kiểu tiêu đề Bản cái</a:t>
+            </a:r>
+            <a:endParaRPr lang="en-US"/>
+          </a:p>
+        </p:txBody>
+      </p:sp>
+      <p:sp>
+        <p:nvSpPr>
+          <p:cNvPr id="3" name="Chỗ dành sẵn cho Văn bản 2">
+            <a:extLst>
+              <a:ext uri="{FF2B5EF4-FFF2-40B4-BE49-F238E27FC236}">
+                <a16:creationId xmlns:a16="http://schemas.microsoft.com/office/drawing/2014/main" id="{98A995F7-BD1B-4293-AD74-70B6BA2D414E}"/>
+              </a:ext>
+            </a:extLst>
+          </p:cNvPr>
+          <p:cNvSpPr>
+            <a:spLocks noGrp="1"/>
+          </p:cNvSpPr>
+          <p:nvPr>
+            <p:ph type="body" idx="1"/>
+          </p:nvPr>
+        </p:nvSpPr>
+        <p:spPr>
+          <a:xfrm>
+            <a:off x="839788" y="1681163"/>
+            <a:ext cx="5157787" cy="823912"/>
+          </a:xfrm>
+        </p:spPr>
+        <p:txBody>
+          <a:bodyPr anchor="b"/>
+          <a:lstStyle>
+            <a:lvl1pPr marL="0" indent="0">
+              <a:buNone/>
+              <a:defRPr sz="2400" b="1"/>
+            </a:lvl1pPr>
+            <a:lvl2pPr marL="457200" indent="0">
+              <a:buNone/>
+              <a:defRPr sz="2000" b="1"/>
+            </a:lvl2pPr>
+            <a:lvl3pPr marL="914400" indent="0">
+              <a:buNone/>
+              <a:defRPr sz="1800" b="1"/>
+            </a:lvl3pPr>
+            <a:lvl4pPr marL="1371600" indent="0">
+              <a:buNone/>
+              <a:defRPr sz="1600" b="1"/>
+            </a:lvl4pPr>
+            <a:lvl5pPr marL="1828800" indent="0">
+              <a:buNone/>
+              <a:defRPr sz="1600" b="1"/>
+            </a:lvl5pPr>
+            <a:lvl6pPr marL="2286000" indent="0">
+              <a:buNone/>
+              <a:defRPr sz="1600" b="1"/>
+            </a:lvl6pPr>
+            <a:lvl7pPr marL="2743200" indent="0">
+              <a:buNone/>
+              <a:defRPr sz="1600" b="1"/>
+            </a:lvl7pPr>
+            <a:lvl8pPr marL="3200400" indent="0">
+              <a:buNone/>
+              <a:defRPr sz="1600" b="1"/>
+            </a:lvl8pPr>
+            <a:lvl9pPr marL="3657600" indent="0">
+              <a:buNone/>
+              <a:defRPr sz="1600" b="1"/>
+            </a:lvl9pPr>
+          </a:lstStyle>
+          <a:p>
+            <a:pPr lvl="0"/>
+            <a:r>
+              <a:rPr lang="vi-VN"/>
+              <a:t>Chỉnh sửa kiểu văn bản của Bản cái</a:t>
+            </a:r>
+          </a:p>
+        </p:txBody>
+      </p:sp>
+      <p:sp>
+        <p:nvSpPr>
+          <p:cNvPr id="4" name="Chỗ dành sẵn cho Nội dung 3">
+            <a:extLst>
+              <a:ext uri="{FF2B5EF4-FFF2-40B4-BE49-F238E27FC236}">
+                <a16:creationId xmlns:a16="http://schemas.microsoft.com/office/drawing/2014/main" id="{B9963B11-61F3-43EA-AA47-D234C38231BC}"/>
+              </a:ext>
+            </a:extLst>
+          </p:cNvPr>
+          <p:cNvSpPr>
+            <a:spLocks noGrp="1"/>
+          </p:cNvSpPr>
+          <p:nvPr>
+            <p:ph sz="half" idx="2"/>
+          </p:nvPr>
+        </p:nvSpPr>
+        <p:spPr>
+          <a:xfrm>
+            <a:off x="839788" y="2505075"/>
+            <a:ext cx="5157787" cy="3684588"/>
+          </a:xfrm>
+        </p:spPr>
+        <p:txBody>
+          <a:bodyPr/>
+          <a:lstStyle/>
+          <a:p>
+            <a:pPr lvl="0"/>
+            <a:r>
+              <a:rPr lang="vi-VN"/>
+              <a:t>Chỉnh sửa kiểu văn bản của Bản cái</a:t>
+            </a:r>
+          </a:p>
+          <a:p>
+            <a:pPr lvl="1"/>
+            <a:r>
+              <a:rPr lang="vi-VN"/>
+              <a:t>Mức hai</a:t>
+            </a:r>
+          </a:p>
+          <a:p>
+            <a:pPr lvl="2"/>
+            <a:r>
+              <a:rPr lang="vi-VN"/>
+              <a:t>Mức ba</a:t>
+            </a:r>
+          </a:p>
+          <a:p>
+            <a:pPr lvl="3"/>
+            <a:r>
+              <a:rPr lang="vi-VN"/>
+              <a:t>Mức bốn</a:t>
+            </a:r>
+          </a:p>
+          <a:p>
+            <a:pPr lvl="4"/>
+            <a:r>
+              <a:rPr lang="vi-VN"/>
+              <a:t>Mức năm</a:t>
+            </a:r>
+            <a:endParaRPr lang="en-US"/>
+          </a:p>
+        </p:txBody>
+      </p:sp>
+      <p:sp>
+        <p:nvSpPr>
+          <p:cNvPr id="5" name="Chỗ dành sẵn cho Văn bản 4">
+            <a:extLst>
+              <a:ext uri="{FF2B5EF4-FFF2-40B4-BE49-F238E27FC236}">
+                <a16:creationId xmlns:a16="http://schemas.microsoft.com/office/drawing/2014/main" id="{7B764B1F-3E11-48EE-B677-FABAE0F1896A}"/>
+              </a:ext>
+            </a:extLst>
+          </p:cNvPr>
+          <p:cNvSpPr>
+            <a:spLocks noGrp="1"/>
+          </p:cNvSpPr>
+          <p:nvPr>
+            <p:ph type="body" sz="quarter" idx="3"/>
+          </p:nvPr>
+        </p:nvSpPr>
+        <p:spPr>
+          <a:xfrm>
+            <a:off x="6172200" y="1681163"/>
+            <a:ext cx="5183188" cy="823912"/>
+          </a:xfrm>
+        </p:spPr>
+        <p:txBody>
+          <a:bodyPr anchor="b"/>
+          <a:lstStyle>
+            <a:lvl1pPr marL="0" indent="0">
+              <a:buNone/>
+              <a:defRPr sz="2400" b="1"/>
+            </a:lvl1pPr>
+            <a:lvl2pPr marL="457200" indent="0">
+              <a:buNone/>
+              <a:defRPr sz="2000" b="1"/>
+            </a:lvl2pPr>
+            <a:lvl3pPr marL="914400" indent="0">
+              <a:buNone/>
+              <a:defRPr sz="1800" b="1"/>
+            </a:lvl3pPr>
+            <a:lvl4pPr marL="1371600" indent="0">
+              <a:buNone/>
+              <a:defRPr sz="1600" b="1"/>
+            </a:lvl4pPr>
+            <a:lvl5pPr marL="1828800" indent="0">
+              <a:buNone/>
+              <a:defRPr sz="1600" b="1"/>
+            </a:lvl5pPr>
+            <a:lvl6pPr marL="2286000" indent="0">
+              <a:buNone/>
+              <a:defRPr sz="1600" b="1"/>
+            </a:lvl6pPr>
+            <a:lvl7pPr marL="2743200" indent="0">
+              <a:buNone/>
+              <a:defRPr sz="1600" b="1"/>
+            </a:lvl7pPr>
+            <a:lvl8pPr marL="3200400" indent="0">
+              <a:buNone/>
+              <a:defRPr sz="1600" b="1"/>
+            </a:lvl8pPr>
+            <a:lvl9pPr marL="3657600" indent="0">
+              <a:buNone/>
+              <a:defRPr sz="1600" b="1"/>
+            </a:lvl9pPr>
+          </a:lstStyle>
+          <a:p>
+            <a:pPr lvl="0"/>
+            <a:r>
+              <a:rPr lang="vi-VN"/>
+              <a:t>Chỉnh sửa kiểu văn bản của Bản cái</a:t>
+            </a:r>
+          </a:p>
+        </p:txBody>
+      </p:sp>
+      <p:sp>
+        <p:nvSpPr>
+          <p:cNvPr id="6" name="Chỗ dành sẵn cho Nội dung 5">
+            <a:extLst>
+              <a:ext uri="{FF2B5EF4-FFF2-40B4-BE49-F238E27FC236}">
+                <a16:creationId xmlns:a16="http://schemas.microsoft.com/office/drawing/2014/main" id="{0B952DC9-B0F7-4E93-9159-392D5F9156A4}"/>
+              </a:ext>
+            </a:extLst>
+          </p:cNvPr>
+          <p:cNvSpPr>
+            <a:spLocks noGrp="1"/>
+          </p:cNvSpPr>
+          <p:nvPr>
+            <p:ph sz="quarter" idx="4"/>
+          </p:nvPr>
+        </p:nvSpPr>
+        <p:spPr>
+          <a:xfrm>
+            <a:off x="6172200" y="2505075"/>
+            <a:ext cx="5183188" cy="3684588"/>
+          </a:xfrm>
+        </p:spPr>
+        <p:txBody>
+          <a:bodyPr/>
+          <a:lstStyle/>
+          <a:p>
+            <a:pPr lvl="0"/>
+            <a:r>
+              <a:rPr lang="vi-VN"/>
+              <a:t>Chỉnh sửa kiểu văn bản của Bản cái</a:t>
+            </a:r>
+          </a:p>
+          <a:p>
+            <a:pPr lvl="1"/>
+            <a:r>
+              <a:rPr lang="vi-VN"/>
+              <a:t>Mức hai</a:t>
+            </a:r>
+          </a:p>
+          <a:p>
+            <a:pPr lvl="2"/>
+            <a:r>
+              <a:rPr lang="vi-VN"/>
+              <a:t>Mức ba</a:t>
+            </a:r>
+          </a:p>
+          <a:p>
+            <a:pPr lvl="3"/>
+            <a:r>
+              <a:rPr lang="vi-VN"/>
+              <a:t>Mức bốn</a:t>
+            </a:r>
+          </a:p>
+          <a:p>
+            <a:pPr lvl="4"/>
+            <a:r>
+              <a:rPr lang="vi-VN"/>
+              <a:t>Mức năm</a:t>
+            </a:r>
+            <a:endParaRPr lang="en-US"/>
+          </a:p>
+        </p:txBody>
+      </p:sp>
+      <p:sp>
+        <p:nvSpPr>
+          <p:cNvPr id="7" name="Chỗ dành sẵn cho Ngày tháng 6">
+            <a:extLst>
+              <a:ext uri="{FF2B5EF4-FFF2-40B4-BE49-F238E27FC236}">
+                <a16:creationId xmlns:a16="http://schemas.microsoft.com/office/drawing/2014/main" id="{53DBA087-A87E-48F8-A455-071096694D5E}"/>
+              </a:ext>
+            </a:extLst>
+          </p:cNvPr>
+          <p:cNvSpPr>
+            <a:spLocks noGrp="1"/>
+          </p:cNvSpPr>
+          <p:nvPr>
+            <p:ph type="dt" sz="half" idx="10"/>
+          </p:nvPr>
+        </p:nvSpPr>
+        <p:spPr/>
+        <p:txBody>
+          <a:bodyPr/>
+          <a:lstStyle/>
+          <a:p>
+            <a:fld id="{EE215CE5-BCCD-41D7-85FB-2E8C025DF529}" type="datetimeFigureOut">
+              <a:rPr lang="en-US" smtClean="0"/>
+              <a:t>14/11/2017</a:t>
+            </a:fld>
+            <a:endParaRPr lang="en-US"/>
+          </a:p>
+        </p:txBody>
+      </p:sp>
+      <p:sp>
+        <p:nvSpPr>
+          <p:cNvPr id="8" name="Chỗ dành sẵn cho Chân trang 7">
+            <a:extLst>
+              <a:ext uri="{FF2B5EF4-FFF2-40B4-BE49-F238E27FC236}">
+                <a16:creationId xmlns:a16="http://schemas.microsoft.com/office/drawing/2014/main" id="{2134E903-CA8E-4CB0-A70B-CD8FC4226C20}"/>
+              </a:ext>
+            </a:extLst>
+          </p:cNvPr>
+          <p:cNvSpPr>
+            <a:spLocks noGrp="1"/>
+          </p:cNvSpPr>
+          <p:nvPr>
+            <p:ph type="ftr" sz="quarter" idx="11"/>
+          </p:nvPr>
+        </p:nvSpPr>
+        <p:spPr/>
+        <p:txBody>
+          <a:bodyPr/>
+          <a:lstStyle/>
+          <a:p>
+            <a:endParaRPr lang="en-US"/>
+          </a:p>
+        </p:txBody>
+      </p:sp>
+      <p:sp>
+        <p:nvSpPr>
+          <p:cNvPr id="9" name="Chỗ dành sẵn cho Số hiệu Bản chiếu 8">
+            <a:extLst>
+              <a:ext uri="{FF2B5EF4-FFF2-40B4-BE49-F238E27FC236}">
+                <a16:creationId xmlns:a16="http://schemas.microsoft.com/office/drawing/2014/main" id="{E1117EAD-74EB-4FE4-861D-275E03B1BD3B}"/>
+              </a:ext>
+            </a:extLst>
+          </p:cNvPr>
+          <p:cNvSpPr>
+            <a:spLocks noGrp="1"/>
+          </p:cNvSpPr>
+          <p:nvPr>
+            <p:ph type="sldNum" sz="quarter" idx="12"/>
+          </p:nvPr>
+        </p:nvSpPr>
+        <p:spPr/>
+        <p:txBody>
+          <a:bodyPr/>
+          <a:lstStyle/>
+          <a:p>
+            <a:fld id="{A2D14AA6-D2F1-4222-9E22-E112E340BA66}" type="slidenum">
+              <a:rPr lang="en-US" smtClean="0"/>
+              <a:t>‹#›</a:t>
+            </a:fld>
+            <a:endParaRPr lang="en-US"/>
+          </a:p>
+        </p:txBody>
+      </p:sp>
+    </p:spTree>
+    <p:extLst>
+      <p:ext uri="{BB962C8B-B14F-4D97-AF65-F5344CB8AC3E}">
+        <p14:creationId xmlns:p14="http://schemas.microsoft.com/office/powerpoint/2010/main" val="455302679"/>
+      </p:ext>
+    </p:extLst>
+  </p:cSld>
+  <p:clrMapOvr>
+    <a:masterClrMapping/>
+  </p:clrMapOvr>
+  <p:hf hdr="0" dt="0"/>
+</p:sldLayout>
+</file>
+
 <file path=ppt/slideLayouts/slideLayout2.xml><?xml version="1.0" encoding="utf-8"?>
 <p:sldLayout xmlns:a="http://schemas.openxmlformats.org/drawingml/2006/main" xmlns:r="http://schemas.openxmlformats.org/officeDocument/2006/relationships" xmlns:p="http://schemas.openxmlformats.org/presentationml/2006/main" preserve="1" userDrawn="1">
   <p:cSld name="End">
@@ -5621,6 +7012,1836 @@
                         </p:tgtEl>
                       </p:cBhvr>
                     </p:animEffect>
+                  </p:childTnLst>
+                </p:cTn>
+              </p:par>
+            </p:tnLst>
+          </p:tmpl>
+        </p:tmplLst>
+      </p:bldP>
+    </p:bldLst>
+  </p:timing>
+</p:sldLayout>
+</file>
+
+<file path=ppt/slideLayouts/slideLayout20.xml><?xml version="1.0" encoding="utf-8"?>
+<p:sldLayout xmlns:a="http://schemas.openxmlformats.org/drawingml/2006/main" xmlns:r="http://schemas.openxmlformats.org/officeDocument/2006/relationships" xmlns:p="http://schemas.openxmlformats.org/presentationml/2006/main" type="titleOnly" preserve="1">
+  <p:cSld name="Chỉ Tiêu đề">
+    <p:spTree>
+      <p:nvGrpSpPr>
+        <p:cNvPr id="1" name=""/>
+        <p:cNvGrpSpPr/>
+        <p:nvPr/>
+      </p:nvGrpSpPr>
+      <p:grpSpPr>
+        <a:xfrm>
+          <a:off x="0" y="0"/>
+          <a:ext cx="0" cy="0"/>
+          <a:chOff x="0" y="0"/>
+          <a:chExt cx="0" cy="0"/>
+        </a:xfrm>
+      </p:grpSpPr>
+      <p:sp>
+        <p:nvSpPr>
+          <p:cNvPr id="2" name="Tiêu đề 1">
+            <a:extLst>
+              <a:ext uri="{FF2B5EF4-FFF2-40B4-BE49-F238E27FC236}">
+                <a16:creationId xmlns:a16="http://schemas.microsoft.com/office/drawing/2014/main" id="{E77F78C4-EEEA-40EB-ACB5-0D7A97EAEFF3}"/>
+              </a:ext>
+            </a:extLst>
+          </p:cNvPr>
+          <p:cNvSpPr>
+            <a:spLocks noGrp="1"/>
+          </p:cNvSpPr>
+          <p:nvPr>
+            <p:ph type="title"/>
+          </p:nvPr>
+        </p:nvSpPr>
+        <p:spPr/>
+        <p:txBody>
+          <a:bodyPr/>
+          <a:lstStyle/>
+          <a:p>
+            <a:r>
+              <a:rPr lang="vi-VN"/>
+              <a:t>Bấm để sửa kiểu tiêu đề Bản cái</a:t>
+            </a:r>
+            <a:endParaRPr lang="en-US"/>
+          </a:p>
+        </p:txBody>
+      </p:sp>
+      <p:sp>
+        <p:nvSpPr>
+          <p:cNvPr id="3" name="Chỗ dành sẵn cho Ngày tháng 2">
+            <a:extLst>
+              <a:ext uri="{FF2B5EF4-FFF2-40B4-BE49-F238E27FC236}">
+                <a16:creationId xmlns:a16="http://schemas.microsoft.com/office/drawing/2014/main" id="{4DBC1616-5CA8-4D65-A81A-9E022ED9CA88}"/>
+              </a:ext>
+            </a:extLst>
+          </p:cNvPr>
+          <p:cNvSpPr>
+            <a:spLocks noGrp="1"/>
+          </p:cNvSpPr>
+          <p:nvPr>
+            <p:ph type="dt" sz="half" idx="10"/>
+          </p:nvPr>
+        </p:nvSpPr>
+        <p:spPr/>
+        <p:txBody>
+          <a:bodyPr/>
+          <a:lstStyle/>
+          <a:p>
+            <a:fld id="{EE215CE5-BCCD-41D7-85FB-2E8C025DF529}" type="datetimeFigureOut">
+              <a:rPr lang="en-US" smtClean="0"/>
+              <a:t>14/11/2017</a:t>
+            </a:fld>
+            <a:endParaRPr lang="en-US"/>
+          </a:p>
+        </p:txBody>
+      </p:sp>
+      <p:sp>
+        <p:nvSpPr>
+          <p:cNvPr id="4" name="Chỗ dành sẵn cho Chân trang 3">
+            <a:extLst>
+              <a:ext uri="{FF2B5EF4-FFF2-40B4-BE49-F238E27FC236}">
+                <a16:creationId xmlns:a16="http://schemas.microsoft.com/office/drawing/2014/main" id="{A29D7A37-B865-4D68-8FE1-D3817480A212}"/>
+              </a:ext>
+            </a:extLst>
+          </p:cNvPr>
+          <p:cNvSpPr>
+            <a:spLocks noGrp="1"/>
+          </p:cNvSpPr>
+          <p:nvPr>
+            <p:ph type="ftr" sz="quarter" idx="11"/>
+          </p:nvPr>
+        </p:nvSpPr>
+        <p:spPr/>
+        <p:txBody>
+          <a:bodyPr/>
+          <a:lstStyle/>
+          <a:p>
+            <a:endParaRPr lang="en-US"/>
+          </a:p>
+        </p:txBody>
+      </p:sp>
+      <p:sp>
+        <p:nvSpPr>
+          <p:cNvPr id="5" name="Chỗ dành sẵn cho Số hiệu Bản chiếu 4">
+            <a:extLst>
+              <a:ext uri="{FF2B5EF4-FFF2-40B4-BE49-F238E27FC236}">
+                <a16:creationId xmlns:a16="http://schemas.microsoft.com/office/drawing/2014/main" id="{3CACFDAD-81DD-4441-8CC6-6DA3D27AB3C3}"/>
+              </a:ext>
+            </a:extLst>
+          </p:cNvPr>
+          <p:cNvSpPr>
+            <a:spLocks noGrp="1"/>
+          </p:cNvSpPr>
+          <p:nvPr>
+            <p:ph type="sldNum" sz="quarter" idx="12"/>
+          </p:nvPr>
+        </p:nvSpPr>
+        <p:spPr/>
+        <p:txBody>
+          <a:bodyPr/>
+          <a:lstStyle/>
+          <a:p>
+            <a:fld id="{A2D14AA6-D2F1-4222-9E22-E112E340BA66}" type="slidenum">
+              <a:rPr lang="en-US" smtClean="0"/>
+              <a:t>‹#›</a:t>
+            </a:fld>
+            <a:endParaRPr lang="en-US"/>
+          </a:p>
+        </p:txBody>
+      </p:sp>
+    </p:spTree>
+    <p:extLst>
+      <p:ext uri="{BB962C8B-B14F-4D97-AF65-F5344CB8AC3E}">
+        <p14:creationId xmlns:p14="http://schemas.microsoft.com/office/powerpoint/2010/main" val="707712205"/>
+      </p:ext>
+    </p:extLst>
+  </p:cSld>
+  <p:clrMapOvr>
+    <a:masterClrMapping/>
+  </p:clrMapOvr>
+  <p:hf hdr="0" dt="0"/>
+</p:sldLayout>
+</file>
+
+<file path=ppt/slideLayouts/slideLayout21.xml><?xml version="1.0" encoding="utf-8"?>
+<p:sldLayout xmlns:a="http://schemas.openxmlformats.org/drawingml/2006/main" xmlns:r="http://schemas.openxmlformats.org/officeDocument/2006/relationships" xmlns:p="http://schemas.openxmlformats.org/presentationml/2006/main" type="blank" preserve="1">
+  <p:cSld name="Trống">
+    <p:spTree>
+      <p:nvGrpSpPr>
+        <p:cNvPr id="1" name=""/>
+        <p:cNvGrpSpPr/>
+        <p:nvPr/>
+      </p:nvGrpSpPr>
+      <p:grpSpPr>
+        <a:xfrm>
+          <a:off x="0" y="0"/>
+          <a:ext cx="0" cy="0"/>
+          <a:chOff x="0" y="0"/>
+          <a:chExt cx="0" cy="0"/>
+        </a:xfrm>
+      </p:grpSpPr>
+      <p:sp>
+        <p:nvSpPr>
+          <p:cNvPr id="2" name="Chỗ dành sẵn cho Ngày tháng 1">
+            <a:extLst>
+              <a:ext uri="{FF2B5EF4-FFF2-40B4-BE49-F238E27FC236}">
+                <a16:creationId xmlns:a16="http://schemas.microsoft.com/office/drawing/2014/main" id="{982FD5A5-2039-402B-858A-C748ED316F41}"/>
+              </a:ext>
+            </a:extLst>
+          </p:cNvPr>
+          <p:cNvSpPr>
+            <a:spLocks noGrp="1"/>
+          </p:cNvSpPr>
+          <p:nvPr>
+            <p:ph type="dt" sz="half" idx="10"/>
+          </p:nvPr>
+        </p:nvSpPr>
+        <p:spPr/>
+        <p:txBody>
+          <a:bodyPr/>
+          <a:lstStyle/>
+          <a:p>
+            <a:fld id="{EE215CE5-BCCD-41D7-85FB-2E8C025DF529}" type="datetimeFigureOut">
+              <a:rPr lang="en-US" smtClean="0"/>
+              <a:t>14/11/2017</a:t>
+            </a:fld>
+            <a:endParaRPr lang="en-US"/>
+          </a:p>
+        </p:txBody>
+      </p:sp>
+      <p:sp>
+        <p:nvSpPr>
+          <p:cNvPr id="3" name="Chỗ dành sẵn cho Chân trang 2">
+            <a:extLst>
+              <a:ext uri="{FF2B5EF4-FFF2-40B4-BE49-F238E27FC236}">
+                <a16:creationId xmlns:a16="http://schemas.microsoft.com/office/drawing/2014/main" id="{5AA360E9-F56E-4BA1-AACC-1C954A87CA73}"/>
+              </a:ext>
+            </a:extLst>
+          </p:cNvPr>
+          <p:cNvSpPr>
+            <a:spLocks noGrp="1"/>
+          </p:cNvSpPr>
+          <p:nvPr>
+            <p:ph type="ftr" sz="quarter" idx="11"/>
+          </p:nvPr>
+        </p:nvSpPr>
+        <p:spPr/>
+        <p:txBody>
+          <a:bodyPr/>
+          <a:lstStyle/>
+          <a:p>
+            <a:endParaRPr lang="en-US"/>
+          </a:p>
+        </p:txBody>
+      </p:sp>
+      <p:sp>
+        <p:nvSpPr>
+          <p:cNvPr id="4" name="Chỗ dành sẵn cho Số hiệu Bản chiếu 3">
+            <a:extLst>
+              <a:ext uri="{FF2B5EF4-FFF2-40B4-BE49-F238E27FC236}">
+                <a16:creationId xmlns:a16="http://schemas.microsoft.com/office/drawing/2014/main" id="{9A467CF9-D02E-46C0-BE2D-BE0234103144}"/>
+              </a:ext>
+            </a:extLst>
+          </p:cNvPr>
+          <p:cNvSpPr>
+            <a:spLocks noGrp="1"/>
+          </p:cNvSpPr>
+          <p:nvPr>
+            <p:ph type="sldNum" sz="quarter" idx="12"/>
+          </p:nvPr>
+        </p:nvSpPr>
+        <p:spPr/>
+        <p:txBody>
+          <a:bodyPr/>
+          <a:lstStyle/>
+          <a:p>
+            <a:fld id="{A2D14AA6-D2F1-4222-9E22-E112E340BA66}" type="slidenum">
+              <a:rPr lang="en-US" smtClean="0"/>
+              <a:t>‹#›</a:t>
+            </a:fld>
+            <a:endParaRPr lang="en-US"/>
+          </a:p>
+        </p:txBody>
+      </p:sp>
+    </p:spTree>
+    <p:extLst>
+      <p:ext uri="{BB962C8B-B14F-4D97-AF65-F5344CB8AC3E}">
+        <p14:creationId xmlns:p14="http://schemas.microsoft.com/office/powerpoint/2010/main" val="2781017449"/>
+      </p:ext>
+    </p:extLst>
+  </p:cSld>
+  <p:clrMapOvr>
+    <a:masterClrMapping/>
+  </p:clrMapOvr>
+  <p:hf hdr="0" dt="0"/>
+</p:sldLayout>
+</file>
+
+<file path=ppt/slideLayouts/slideLayout22.xml><?xml version="1.0" encoding="utf-8"?>
+<p:sldLayout xmlns:a="http://schemas.openxmlformats.org/drawingml/2006/main" xmlns:r="http://schemas.openxmlformats.org/officeDocument/2006/relationships" xmlns:p="http://schemas.openxmlformats.org/presentationml/2006/main" type="objTx" preserve="1">
+  <p:cSld name="Nội dung với Chú thích">
+    <p:spTree>
+      <p:nvGrpSpPr>
+        <p:cNvPr id="1" name=""/>
+        <p:cNvGrpSpPr/>
+        <p:nvPr/>
+      </p:nvGrpSpPr>
+      <p:grpSpPr>
+        <a:xfrm>
+          <a:off x="0" y="0"/>
+          <a:ext cx="0" cy="0"/>
+          <a:chOff x="0" y="0"/>
+          <a:chExt cx="0" cy="0"/>
+        </a:xfrm>
+      </p:grpSpPr>
+      <p:sp>
+        <p:nvSpPr>
+          <p:cNvPr id="2" name="Tiêu đề 1">
+            <a:extLst>
+              <a:ext uri="{FF2B5EF4-FFF2-40B4-BE49-F238E27FC236}">
+                <a16:creationId xmlns:a16="http://schemas.microsoft.com/office/drawing/2014/main" id="{82C13DCB-78B3-42FC-8A71-7D82B9DD94BE}"/>
+              </a:ext>
+            </a:extLst>
+          </p:cNvPr>
+          <p:cNvSpPr>
+            <a:spLocks noGrp="1"/>
+          </p:cNvSpPr>
+          <p:nvPr>
+            <p:ph type="title"/>
+          </p:nvPr>
+        </p:nvSpPr>
+        <p:spPr>
+          <a:xfrm>
+            <a:off x="839788" y="457200"/>
+            <a:ext cx="3932237" cy="1600200"/>
+          </a:xfrm>
+        </p:spPr>
+        <p:txBody>
+          <a:bodyPr anchor="b"/>
+          <a:lstStyle>
+            <a:lvl1pPr>
+              <a:defRPr sz="3200"/>
+            </a:lvl1pPr>
+          </a:lstStyle>
+          <a:p>
+            <a:r>
+              <a:rPr lang="vi-VN"/>
+              <a:t>Bấm để sửa kiểu tiêu đề Bản cái</a:t>
+            </a:r>
+            <a:endParaRPr lang="en-US"/>
+          </a:p>
+        </p:txBody>
+      </p:sp>
+      <p:sp>
+        <p:nvSpPr>
+          <p:cNvPr id="3" name="Chỗ dành sẵn cho Nội dung 2">
+            <a:extLst>
+              <a:ext uri="{FF2B5EF4-FFF2-40B4-BE49-F238E27FC236}">
+                <a16:creationId xmlns:a16="http://schemas.microsoft.com/office/drawing/2014/main" id="{8E1FDDC1-5751-4820-A3BD-D71441AB314E}"/>
+              </a:ext>
+            </a:extLst>
+          </p:cNvPr>
+          <p:cNvSpPr>
+            <a:spLocks noGrp="1"/>
+          </p:cNvSpPr>
+          <p:nvPr>
+            <p:ph idx="1"/>
+          </p:nvPr>
+        </p:nvSpPr>
+        <p:spPr>
+          <a:xfrm>
+            <a:off x="5183188" y="987425"/>
+            <a:ext cx="6172200" cy="4873625"/>
+          </a:xfrm>
+        </p:spPr>
+        <p:txBody>
+          <a:bodyPr/>
+          <a:lstStyle>
+            <a:lvl1pPr>
+              <a:defRPr sz="3200"/>
+            </a:lvl1pPr>
+            <a:lvl2pPr>
+              <a:defRPr sz="2800"/>
+            </a:lvl2pPr>
+            <a:lvl3pPr>
+              <a:defRPr sz="2400"/>
+            </a:lvl3pPr>
+            <a:lvl4pPr>
+              <a:defRPr sz="2000"/>
+            </a:lvl4pPr>
+            <a:lvl5pPr>
+              <a:defRPr sz="2000"/>
+            </a:lvl5pPr>
+            <a:lvl6pPr>
+              <a:defRPr sz="2000"/>
+            </a:lvl6pPr>
+            <a:lvl7pPr>
+              <a:defRPr sz="2000"/>
+            </a:lvl7pPr>
+            <a:lvl8pPr>
+              <a:defRPr sz="2000"/>
+            </a:lvl8pPr>
+            <a:lvl9pPr>
+              <a:defRPr sz="2000"/>
+            </a:lvl9pPr>
+          </a:lstStyle>
+          <a:p>
+            <a:pPr lvl="0"/>
+            <a:r>
+              <a:rPr lang="vi-VN"/>
+              <a:t>Chỉnh sửa kiểu văn bản của Bản cái</a:t>
+            </a:r>
+          </a:p>
+          <a:p>
+            <a:pPr lvl="1"/>
+            <a:r>
+              <a:rPr lang="vi-VN"/>
+              <a:t>Mức hai</a:t>
+            </a:r>
+          </a:p>
+          <a:p>
+            <a:pPr lvl="2"/>
+            <a:r>
+              <a:rPr lang="vi-VN"/>
+              <a:t>Mức ba</a:t>
+            </a:r>
+          </a:p>
+          <a:p>
+            <a:pPr lvl="3"/>
+            <a:r>
+              <a:rPr lang="vi-VN"/>
+              <a:t>Mức bốn</a:t>
+            </a:r>
+          </a:p>
+          <a:p>
+            <a:pPr lvl="4"/>
+            <a:r>
+              <a:rPr lang="vi-VN"/>
+              <a:t>Mức năm</a:t>
+            </a:r>
+            <a:endParaRPr lang="en-US"/>
+          </a:p>
+        </p:txBody>
+      </p:sp>
+      <p:sp>
+        <p:nvSpPr>
+          <p:cNvPr id="4" name="Chỗ dành sẵn cho Văn bản 3">
+            <a:extLst>
+              <a:ext uri="{FF2B5EF4-FFF2-40B4-BE49-F238E27FC236}">
+                <a16:creationId xmlns:a16="http://schemas.microsoft.com/office/drawing/2014/main" id="{C84457E6-1D86-4C0E-A010-00605C681206}"/>
+              </a:ext>
+            </a:extLst>
+          </p:cNvPr>
+          <p:cNvSpPr>
+            <a:spLocks noGrp="1"/>
+          </p:cNvSpPr>
+          <p:nvPr>
+            <p:ph type="body" sz="half" idx="2"/>
+          </p:nvPr>
+        </p:nvSpPr>
+        <p:spPr>
+          <a:xfrm>
+            <a:off x="839788" y="2057400"/>
+            <a:ext cx="3932237" cy="3811588"/>
+          </a:xfrm>
+        </p:spPr>
+        <p:txBody>
+          <a:bodyPr/>
+          <a:lstStyle>
+            <a:lvl1pPr marL="0" indent="0">
+              <a:buNone/>
+              <a:defRPr sz="1600"/>
+            </a:lvl1pPr>
+            <a:lvl2pPr marL="457200" indent="0">
+              <a:buNone/>
+              <a:defRPr sz="1400"/>
+            </a:lvl2pPr>
+            <a:lvl3pPr marL="914400" indent="0">
+              <a:buNone/>
+              <a:defRPr sz="1200"/>
+            </a:lvl3pPr>
+            <a:lvl4pPr marL="1371600" indent="0">
+              <a:buNone/>
+              <a:defRPr sz="1000"/>
+            </a:lvl4pPr>
+            <a:lvl5pPr marL="1828800" indent="0">
+              <a:buNone/>
+              <a:defRPr sz="1000"/>
+            </a:lvl5pPr>
+            <a:lvl6pPr marL="2286000" indent="0">
+              <a:buNone/>
+              <a:defRPr sz="1000"/>
+            </a:lvl6pPr>
+            <a:lvl7pPr marL="2743200" indent="0">
+              <a:buNone/>
+              <a:defRPr sz="1000"/>
+            </a:lvl7pPr>
+            <a:lvl8pPr marL="3200400" indent="0">
+              <a:buNone/>
+              <a:defRPr sz="1000"/>
+            </a:lvl8pPr>
+            <a:lvl9pPr marL="3657600" indent="0">
+              <a:buNone/>
+              <a:defRPr sz="1000"/>
+            </a:lvl9pPr>
+          </a:lstStyle>
+          <a:p>
+            <a:pPr lvl="0"/>
+            <a:r>
+              <a:rPr lang="vi-VN"/>
+              <a:t>Chỉnh sửa kiểu văn bản của Bản cái</a:t>
+            </a:r>
+          </a:p>
+        </p:txBody>
+      </p:sp>
+      <p:sp>
+        <p:nvSpPr>
+          <p:cNvPr id="5" name="Chỗ dành sẵn cho Ngày tháng 4">
+            <a:extLst>
+              <a:ext uri="{FF2B5EF4-FFF2-40B4-BE49-F238E27FC236}">
+                <a16:creationId xmlns:a16="http://schemas.microsoft.com/office/drawing/2014/main" id="{BA5347CE-F880-4D84-84E0-0594FA42E081}"/>
+              </a:ext>
+            </a:extLst>
+          </p:cNvPr>
+          <p:cNvSpPr>
+            <a:spLocks noGrp="1"/>
+          </p:cNvSpPr>
+          <p:nvPr>
+            <p:ph type="dt" sz="half" idx="10"/>
+          </p:nvPr>
+        </p:nvSpPr>
+        <p:spPr/>
+        <p:txBody>
+          <a:bodyPr/>
+          <a:lstStyle/>
+          <a:p>
+            <a:fld id="{EE215CE5-BCCD-41D7-85FB-2E8C025DF529}" type="datetimeFigureOut">
+              <a:rPr lang="en-US" smtClean="0"/>
+              <a:t>14/11/2017</a:t>
+            </a:fld>
+            <a:endParaRPr lang="en-US"/>
+          </a:p>
+        </p:txBody>
+      </p:sp>
+      <p:sp>
+        <p:nvSpPr>
+          <p:cNvPr id="6" name="Chỗ dành sẵn cho Chân trang 5">
+            <a:extLst>
+              <a:ext uri="{FF2B5EF4-FFF2-40B4-BE49-F238E27FC236}">
+                <a16:creationId xmlns:a16="http://schemas.microsoft.com/office/drawing/2014/main" id="{E88CE868-B16C-4228-A9D4-2CCF7FE38B09}"/>
+              </a:ext>
+            </a:extLst>
+          </p:cNvPr>
+          <p:cNvSpPr>
+            <a:spLocks noGrp="1"/>
+          </p:cNvSpPr>
+          <p:nvPr>
+            <p:ph type="ftr" sz="quarter" idx="11"/>
+          </p:nvPr>
+        </p:nvSpPr>
+        <p:spPr/>
+        <p:txBody>
+          <a:bodyPr/>
+          <a:lstStyle/>
+          <a:p>
+            <a:endParaRPr lang="en-US"/>
+          </a:p>
+        </p:txBody>
+      </p:sp>
+      <p:sp>
+        <p:nvSpPr>
+          <p:cNvPr id="7" name="Chỗ dành sẵn cho Số hiệu Bản chiếu 6">
+            <a:extLst>
+              <a:ext uri="{FF2B5EF4-FFF2-40B4-BE49-F238E27FC236}">
+                <a16:creationId xmlns:a16="http://schemas.microsoft.com/office/drawing/2014/main" id="{E0E7D5CE-C165-4B64-9B46-17C25EC7BE28}"/>
+              </a:ext>
+            </a:extLst>
+          </p:cNvPr>
+          <p:cNvSpPr>
+            <a:spLocks noGrp="1"/>
+          </p:cNvSpPr>
+          <p:nvPr>
+            <p:ph type="sldNum" sz="quarter" idx="12"/>
+          </p:nvPr>
+        </p:nvSpPr>
+        <p:spPr/>
+        <p:txBody>
+          <a:bodyPr/>
+          <a:lstStyle/>
+          <a:p>
+            <a:fld id="{A2D14AA6-D2F1-4222-9E22-E112E340BA66}" type="slidenum">
+              <a:rPr lang="en-US" smtClean="0"/>
+              <a:t>‹#›</a:t>
+            </a:fld>
+            <a:endParaRPr lang="en-US"/>
+          </a:p>
+        </p:txBody>
+      </p:sp>
+    </p:spTree>
+    <p:extLst>
+      <p:ext uri="{BB962C8B-B14F-4D97-AF65-F5344CB8AC3E}">
+        <p14:creationId xmlns:p14="http://schemas.microsoft.com/office/powerpoint/2010/main" val="3933182604"/>
+      </p:ext>
+    </p:extLst>
+  </p:cSld>
+  <p:clrMapOvr>
+    <a:masterClrMapping/>
+  </p:clrMapOvr>
+  <p:hf hdr="0" dt="0"/>
+</p:sldLayout>
+</file>
+
+<file path=ppt/slideLayouts/slideLayout23.xml><?xml version="1.0" encoding="utf-8"?>
+<p:sldLayout xmlns:a="http://schemas.openxmlformats.org/drawingml/2006/main" xmlns:r="http://schemas.openxmlformats.org/officeDocument/2006/relationships" xmlns:p="http://schemas.openxmlformats.org/presentationml/2006/main" type="picTx" preserve="1">
+  <p:cSld name="Ảnh với Chú thích">
+    <p:spTree>
+      <p:nvGrpSpPr>
+        <p:cNvPr id="1" name=""/>
+        <p:cNvGrpSpPr/>
+        <p:nvPr/>
+      </p:nvGrpSpPr>
+      <p:grpSpPr>
+        <a:xfrm>
+          <a:off x="0" y="0"/>
+          <a:ext cx="0" cy="0"/>
+          <a:chOff x="0" y="0"/>
+          <a:chExt cx="0" cy="0"/>
+        </a:xfrm>
+      </p:grpSpPr>
+      <p:sp>
+        <p:nvSpPr>
+          <p:cNvPr id="2" name="Tiêu đề 1">
+            <a:extLst>
+              <a:ext uri="{FF2B5EF4-FFF2-40B4-BE49-F238E27FC236}">
+                <a16:creationId xmlns:a16="http://schemas.microsoft.com/office/drawing/2014/main" id="{D5DBABF5-B549-4832-A602-8377027E0D5E}"/>
+              </a:ext>
+            </a:extLst>
+          </p:cNvPr>
+          <p:cNvSpPr>
+            <a:spLocks noGrp="1"/>
+          </p:cNvSpPr>
+          <p:nvPr>
+            <p:ph type="title"/>
+          </p:nvPr>
+        </p:nvSpPr>
+        <p:spPr>
+          <a:xfrm>
+            <a:off x="839788" y="457200"/>
+            <a:ext cx="3932237" cy="1600200"/>
+          </a:xfrm>
+        </p:spPr>
+        <p:txBody>
+          <a:bodyPr anchor="b"/>
+          <a:lstStyle>
+            <a:lvl1pPr>
+              <a:defRPr sz="3200"/>
+            </a:lvl1pPr>
+          </a:lstStyle>
+          <a:p>
+            <a:r>
+              <a:rPr lang="vi-VN"/>
+              <a:t>Bấm để sửa kiểu tiêu đề Bản cái</a:t>
+            </a:r>
+            <a:endParaRPr lang="en-US"/>
+          </a:p>
+        </p:txBody>
+      </p:sp>
+      <p:sp>
+        <p:nvSpPr>
+          <p:cNvPr id="3" name="Chỗ dành sẵn cho Hình ảnh 2">
+            <a:extLst>
+              <a:ext uri="{FF2B5EF4-FFF2-40B4-BE49-F238E27FC236}">
+                <a16:creationId xmlns:a16="http://schemas.microsoft.com/office/drawing/2014/main" id="{E27867BF-0623-4335-A26F-C53FED8827E0}"/>
+              </a:ext>
+            </a:extLst>
+          </p:cNvPr>
+          <p:cNvSpPr>
+            <a:spLocks noGrp="1"/>
+          </p:cNvSpPr>
+          <p:nvPr>
+            <p:ph type="pic" idx="1"/>
+          </p:nvPr>
+        </p:nvSpPr>
+        <p:spPr>
+          <a:xfrm>
+            <a:off x="5183188" y="987425"/>
+            <a:ext cx="6172200" cy="4873625"/>
+          </a:xfrm>
+        </p:spPr>
+        <p:txBody>
+          <a:bodyPr/>
+          <a:lstStyle>
+            <a:lvl1pPr marL="0" indent="0">
+              <a:buNone/>
+              <a:defRPr sz="3200"/>
+            </a:lvl1pPr>
+            <a:lvl2pPr marL="457200" indent="0">
+              <a:buNone/>
+              <a:defRPr sz="2800"/>
+            </a:lvl2pPr>
+            <a:lvl3pPr marL="914400" indent="0">
+              <a:buNone/>
+              <a:defRPr sz="2400"/>
+            </a:lvl3pPr>
+            <a:lvl4pPr marL="1371600" indent="0">
+              <a:buNone/>
+              <a:defRPr sz="2000"/>
+            </a:lvl4pPr>
+            <a:lvl5pPr marL="1828800" indent="0">
+              <a:buNone/>
+              <a:defRPr sz="2000"/>
+            </a:lvl5pPr>
+            <a:lvl6pPr marL="2286000" indent="0">
+              <a:buNone/>
+              <a:defRPr sz="2000"/>
+            </a:lvl6pPr>
+            <a:lvl7pPr marL="2743200" indent="0">
+              <a:buNone/>
+              <a:defRPr sz="2000"/>
+            </a:lvl7pPr>
+            <a:lvl8pPr marL="3200400" indent="0">
+              <a:buNone/>
+              <a:defRPr sz="2000"/>
+            </a:lvl8pPr>
+            <a:lvl9pPr marL="3657600" indent="0">
+              <a:buNone/>
+              <a:defRPr sz="2000"/>
+            </a:lvl9pPr>
+          </a:lstStyle>
+          <a:p>
+            <a:endParaRPr lang="en-US"/>
+          </a:p>
+        </p:txBody>
+      </p:sp>
+      <p:sp>
+        <p:nvSpPr>
+          <p:cNvPr id="4" name="Chỗ dành sẵn cho Văn bản 3">
+            <a:extLst>
+              <a:ext uri="{FF2B5EF4-FFF2-40B4-BE49-F238E27FC236}">
+                <a16:creationId xmlns:a16="http://schemas.microsoft.com/office/drawing/2014/main" id="{4E686650-77AD-47D3-B88B-F2CE95C7709B}"/>
+              </a:ext>
+            </a:extLst>
+          </p:cNvPr>
+          <p:cNvSpPr>
+            <a:spLocks noGrp="1"/>
+          </p:cNvSpPr>
+          <p:nvPr>
+            <p:ph type="body" sz="half" idx="2"/>
+          </p:nvPr>
+        </p:nvSpPr>
+        <p:spPr>
+          <a:xfrm>
+            <a:off x="839788" y="2057400"/>
+            <a:ext cx="3932237" cy="3811588"/>
+          </a:xfrm>
+        </p:spPr>
+        <p:txBody>
+          <a:bodyPr/>
+          <a:lstStyle>
+            <a:lvl1pPr marL="0" indent="0">
+              <a:buNone/>
+              <a:defRPr sz="1600"/>
+            </a:lvl1pPr>
+            <a:lvl2pPr marL="457200" indent="0">
+              <a:buNone/>
+              <a:defRPr sz="1400"/>
+            </a:lvl2pPr>
+            <a:lvl3pPr marL="914400" indent="0">
+              <a:buNone/>
+              <a:defRPr sz="1200"/>
+            </a:lvl3pPr>
+            <a:lvl4pPr marL="1371600" indent="0">
+              <a:buNone/>
+              <a:defRPr sz="1000"/>
+            </a:lvl4pPr>
+            <a:lvl5pPr marL="1828800" indent="0">
+              <a:buNone/>
+              <a:defRPr sz="1000"/>
+            </a:lvl5pPr>
+            <a:lvl6pPr marL="2286000" indent="0">
+              <a:buNone/>
+              <a:defRPr sz="1000"/>
+            </a:lvl6pPr>
+            <a:lvl7pPr marL="2743200" indent="0">
+              <a:buNone/>
+              <a:defRPr sz="1000"/>
+            </a:lvl7pPr>
+            <a:lvl8pPr marL="3200400" indent="0">
+              <a:buNone/>
+              <a:defRPr sz="1000"/>
+            </a:lvl8pPr>
+            <a:lvl9pPr marL="3657600" indent="0">
+              <a:buNone/>
+              <a:defRPr sz="1000"/>
+            </a:lvl9pPr>
+          </a:lstStyle>
+          <a:p>
+            <a:pPr lvl="0"/>
+            <a:r>
+              <a:rPr lang="vi-VN"/>
+              <a:t>Chỉnh sửa kiểu văn bản của Bản cái</a:t>
+            </a:r>
+          </a:p>
+        </p:txBody>
+      </p:sp>
+      <p:sp>
+        <p:nvSpPr>
+          <p:cNvPr id="5" name="Chỗ dành sẵn cho Ngày tháng 4">
+            <a:extLst>
+              <a:ext uri="{FF2B5EF4-FFF2-40B4-BE49-F238E27FC236}">
+                <a16:creationId xmlns:a16="http://schemas.microsoft.com/office/drawing/2014/main" id="{71FCBFFA-B16C-4F99-BC09-C0DBD7535C46}"/>
+              </a:ext>
+            </a:extLst>
+          </p:cNvPr>
+          <p:cNvSpPr>
+            <a:spLocks noGrp="1"/>
+          </p:cNvSpPr>
+          <p:nvPr>
+            <p:ph type="dt" sz="half" idx="10"/>
+          </p:nvPr>
+        </p:nvSpPr>
+        <p:spPr/>
+        <p:txBody>
+          <a:bodyPr/>
+          <a:lstStyle/>
+          <a:p>
+            <a:fld id="{EE215CE5-BCCD-41D7-85FB-2E8C025DF529}" type="datetimeFigureOut">
+              <a:rPr lang="en-US" smtClean="0"/>
+              <a:t>14/11/2017</a:t>
+            </a:fld>
+            <a:endParaRPr lang="en-US"/>
+          </a:p>
+        </p:txBody>
+      </p:sp>
+      <p:sp>
+        <p:nvSpPr>
+          <p:cNvPr id="6" name="Chỗ dành sẵn cho Chân trang 5">
+            <a:extLst>
+              <a:ext uri="{FF2B5EF4-FFF2-40B4-BE49-F238E27FC236}">
+                <a16:creationId xmlns:a16="http://schemas.microsoft.com/office/drawing/2014/main" id="{AE476485-993E-47BA-9B61-9309074D7ED0}"/>
+              </a:ext>
+            </a:extLst>
+          </p:cNvPr>
+          <p:cNvSpPr>
+            <a:spLocks noGrp="1"/>
+          </p:cNvSpPr>
+          <p:nvPr>
+            <p:ph type="ftr" sz="quarter" idx="11"/>
+          </p:nvPr>
+        </p:nvSpPr>
+        <p:spPr/>
+        <p:txBody>
+          <a:bodyPr/>
+          <a:lstStyle/>
+          <a:p>
+            <a:endParaRPr lang="en-US"/>
+          </a:p>
+        </p:txBody>
+      </p:sp>
+      <p:sp>
+        <p:nvSpPr>
+          <p:cNvPr id="7" name="Chỗ dành sẵn cho Số hiệu Bản chiếu 6">
+            <a:extLst>
+              <a:ext uri="{FF2B5EF4-FFF2-40B4-BE49-F238E27FC236}">
+                <a16:creationId xmlns:a16="http://schemas.microsoft.com/office/drawing/2014/main" id="{A0005C76-2C11-45F8-A0D3-CC93EFB139C9}"/>
+              </a:ext>
+            </a:extLst>
+          </p:cNvPr>
+          <p:cNvSpPr>
+            <a:spLocks noGrp="1"/>
+          </p:cNvSpPr>
+          <p:nvPr>
+            <p:ph type="sldNum" sz="quarter" idx="12"/>
+          </p:nvPr>
+        </p:nvSpPr>
+        <p:spPr/>
+        <p:txBody>
+          <a:bodyPr/>
+          <a:lstStyle/>
+          <a:p>
+            <a:fld id="{A2D14AA6-D2F1-4222-9E22-E112E340BA66}" type="slidenum">
+              <a:rPr lang="en-US" smtClean="0"/>
+              <a:t>‹#›</a:t>
+            </a:fld>
+            <a:endParaRPr lang="en-US"/>
+          </a:p>
+        </p:txBody>
+      </p:sp>
+    </p:spTree>
+    <p:extLst>
+      <p:ext uri="{BB962C8B-B14F-4D97-AF65-F5344CB8AC3E}">
+        <p14:creationId xmlns:p14="http://schemas.microsoft.com/office/powerpoint/2010/main" val="1846177344"/>
+      </p:ext>
+    </p:extLst>
+  </p:cSld>
+  <p:clrMapOvr>
+    <a:masterClrMapping/>
+  </p:clrMapOvr>
+  <p:hf hdr="0" dt="0"/>
+</p:sldLayout>
+</file>
+
+<file path=ppt/slideLayouts/slideLayout24.xml><?xml version="1.0" encoding="utf-8"?>
+<p:sldLayout xmlns:a="http://schemas.openxmlformats.org/drawingml/2006/main" xmlns:r="http://schemas.openxmlformats.org/officeDocument/2006/relationships" xmlns:p="http://schemas.openxmlformats.org/presentationml/2006/main" type="vertTx" preserve="1">
+  <p:cSld name="Tiêu đề và Văn bản Dọc">
+    <p:spTree>
+      <p:nvGrpSpPr>
+        <p:cNvPr id="1" name=""/>
+        <p:cNvGrpSpPr/>
+        <p:nvPr/>
+      </p:nvGrpSpPr>
+      <p:grpSpPr>
+        <a:xfrm>
+          <a:off x="0" y="0"/>
+          <a:ext cx="0" cy="0"/>
+          <a:chOff x="0" y="0"/>
+          <a:chExt cx="0" cy="0"/>
+        </a:xfrm>
+      </p:grpSpPr>
+      <p:sp>
+        <p:nvSpPr>
+          <p:cNvPr id="2" name="Tiêu đề 1">
+            <a:extLst>
+              <a:ext uri="{FF2B5EF4-FFF2-40B4-BE49-F238E27FC236}">
+                <a16:creationId xmlns:a16="http://schemas.microsoft.com/office/drawing/2014/main" id="{76134234-5437-4A51-B6EE-9872759C76E2}"/>
+              </a:ext>
+            </a:extLst>
+          </p:cNvPr>
+          <p:cNvSpPr>
+            <a:spLocks noGrp="1"/>
+          </p:cNvSpPr>
+          <p:nvPr>
+            <p:ph type="title"/>
+          </p:nvPr>
+        </p:nvSpPr>
+        <p:spPr/>
+        <p:txBody>
+          <a:bodyPr/>
+          <a:lstStyle/>
+          <a:p>
+            <a:r>
+              <a:rPr lang="vi-VN"/>
+              <a:t>Bấm để sửa kiểu tiêu đề Bản cái</a:t>
+            </a:r>
+            <a:endParaRPr lang="en-US"/>
+          </a:p>
+        </p:txBody>
+      </p:sp>
+      <p:sp>
+        <p:nvSpPr>
+          <p:cNvPr id="3" name="Chỗ dành sẵn cho Văn bản Dọc 2">
+            <a:extLst>
+              <a:ext uri="{FF2B5EF4-FFF2-40B4-BE49-F238E27FC236}">
+                <a16:creationId xmlns:a16="http://schemas.microsoft.com/office/drawing/2014/main" id="{C46A47CC-4FB0-4FC8-B497-5EDDEEA15278}"/>
+              </a:ext>
+            </a:extLst>
+          </p:cNvPr>
+          <p:cNvSpPr>
+            <a:spLocks noGrp="1"/>
+          </p:cNvSpPr>
+          <p:nvPr>
+            <p:ph type="body" orient="vert" idx="1"/>
+          </p:nvPr>
+        </p:nvSpPr>
+        <p:spPr/>
+        <p:txBody>
+          <a:bodyPr vert="eaVert"/>
+          <a:lstStyle/>
+          <a:p>
+            <a:pPr lvl="0"/>
+            <a:r>
+              <a:rPr lang="vi-VN"/>
+              <a:t>Chỉnh sửa kiểu văn bản của Bản cái</a:t>
+            </a:r>
+          </a:p>
+          <a:p>
+            <a:pPr lvl="1"/>
+            <a:r>
+              <a:rPr lang="vi-VN"/>
+              <a:t>Mức hai</a:t>
+            </a:r>
+          </a:p>
+          <a:p>
+            <a:pPr lvl="2"/>
+            <a:r>
+              <a:rPr lang="vi-VN"/>
+              <a:t>Mức ba</a:t>
+            </a:r>
+          </a:p>
+          <a:p>
+            <a:pPr lvl="3"/>
+            <a:r>
+              <a:rPr lang="vi-VN"/>
+              <a:t>Mức bốn</a:t>
+            </a:r>
+          </a:p>
+          <a:p>
+            <a:pPr lvl="4"/>
+            <a:r>
+              <a:rPr lang="vi-VN"/>
+              <a:t>Mức năm</a:t>
+            </a:r>
+            <a:endParaRPr lang="en-US"/>
+          </a:p>
+        </p:txBody>
+      </p:sp>
+      <p:sp>
+        <p:nvSpPr>
+          <p:cNvPr id="4" name="Chỗ dành sẵn cho Ngày tháng 3">
+            <a:extLst>
+              <a:ext uri="{FF2B5EF4-FFF2-40B4-BE49-F238E27FC236}">
+                <a16:creationId xmlns:a16="http://schemas.microsoft.com/office/drawing/2014/main" id="{FEE0D444-E0AF-4976-9952-EB3D1C60E213}"/>
+              </a:ext>
+            </a:extLst>
+          </p:cNvPr>
+          <p:cNvSpPr>
+            <a:spLocks noGrp="1"/>
+          </p:cNvSpPr>
+          <p:nvPr>
+            <p:ph type="dt" sz="half" idx="10"/>
+          </p:nvPr>
+        </p:nvSpPr>
+        <p:spPr/>
+        <p:txBody>
+          <a:bodyPr/>
+          <a:lstStyle/>
+          <a:p>
+            <a:fld id="{EE215CE5-BCCD-41D7-85FB-2E8C025DF529}" type="datetimeFigureOut">
+              <a:rPr lang="en-US" smtClean="0"/>
+              <a:t>14/11/2017</a:t>
+            </a:fld>
+            <a:endParaRPr lang="en-US"/>
+          </a:p>
+        </p:txBody>
+      </p:sp>
+      <p:sp>
+        <p:nvSpPr>
+          <p:cNvPr id="5" name="Chỗ dành sẵn cho Chân trang 4">
+            <a:extLst>
+              <a:ext uri="{FF2B5EF4-FFF2-40B4-BE49-F238E27FC236}">
+                <a16:creationId xmlns:a16="http://schemas.microsoft.com/office/drawing/2014/main" id="{77C628D7-7051-443C-B0E4-CCF3B8FCC174}"/>
+              </a:ext>
+            </a:extLst>
+          </p:cNvPr>
+          <p:cNvSpPr>
+            <a:spLocks noGrp="1"/>
+          </p:cNvSpPr>
+          <p:nvPr>
+            <p:ph type="ftr" sz="quarter" idx="11"/>
+          </p:nvPr>
+        </p:nvSpPr>
+        <p:spPr/>
+        <p:txBody>
+          <a:bodyPr/>
+          <a:lstStyle/>
+          <a:p>
+            <a:endParaRPr lang="en-US"/>
+          </a:p>
+        </p:txBody>
+      </p:sp>
+      <p:sp>
+        <p:nvSpPr>
+          <p:cNvPr id="6" name="Chỗ dành sẵn cho Số hiệu Bản chiếu 5">
+            <a:extLst>
+              <a:ext uri="{FF2B5EF4-FFF2-40B4-BE49-F238E27FC236}">
+                <a16:creationId xmlns:a16="http://schemas.microsoft.com/office/drawing/2014/main" id="{86E5CC31-F825-4C8C-B6C6-B67E2A79B313}"/>
+              </a:ext>
+            </a:extLst>
+          </p:cNvPr>
+          <p:cNvSpPr>
+            <a:spLocks noGrp="1"/>
+          </p:cNvSpPr>
+          <p:nvPr>
+            <p:ph type="sldNum" sz="quarter" idx="12"/>
+          </p:nvPr>
+        </p:nvSpPr>
+        <p:spPr/>
+        <p:txBody>
+          <a:bodyPr/>
+          <a:lstStyle/>
+          <a:p>
+            <a:fld id="{A2D14AA6-D2F1-4222-9E22-E112E340BA66}" type="slidenum">
+              <a:rPr lang="en-US" smtClean="0"/>
+              <a:t>‹#›</a:t>
+            </a:fld>
+            <a:endParaRPr lang="en-US"/>
+          </a:p>
+        </p:txBody>
+      </p:sp>
+    </p:spTree>
+    <p:extLst>
+      <p:ext uri="{BB962C8B-B14F-4D97-AF65-F5344CB8AC3E}">
+        <p14:creationId xmlns:p14="http://schemas.microsoft.com/office/powerpoint/2010/main" val="629306700"/>
+      </p:ext>
+    </p:extLst>
+  </p:cSld>
+  <p:clrMapOvr>
+    <a:masterClrMapping/>
+  </p:clrMapOvr>
+  <p:hf hdr="0" dt="0"/>
+</p:sldLayout>
+</file>
+
+<file path=ppt/slideLayouts/slideLayout25.xml><?xml version="1.0" encoding="utf-8"?>
+<p:sldLayout xmlns:a="http://schemas.openxmlformats.org/drawingml/2006/main" xmlns:r="http://schemas.openxmlformats.org/officeDocument/2006/relationships" xmlns:p="http://schemas.openxmlformats.org/presentationml/2006/main" type="vertTitleAndTx" preserve="1">
+  <p:cSld name="Tiêu đề Dọc và Văn bản">
+    <p:spTree>
+      <p:nvGrpSpPr>
+        <p:cNvPr id="1" name=""/>
+        <p:cNvGrpSpPr/>
+        <p:nvPr/>
+      </p:nvGrpSpPr>
+      <p:grpSpPr>
+        <a:xfrm>
+          <a:off x="0" y="0"/>
+          <a:ext cx="0" cy="0"/>
+          <a:chOff x="0" y="0"/>
+          <a:chExt cx="0" cy="0"/>
+        </a:xfrm>
+      </p:grpSpPr>
+      <p:sp>
+        <p:nvSpPr>
+          <p:cNvPr id="2" name="Tiêu đề Dọc 1">
+            <a:extLst>
+              <a:ext uri="{FF2B5EF4-FFF2-40B4-BE49-F238E27FC236}">
+                <a16:creationId xmlns:a16="http://schemas.microsoft.com/office/drawing/2014/main" id="{841FB7E3-48ED-46CE-8EAB-943032D949A9}"/>
+              </a:ext>
+            </a:extLst>
+          </p:cNvPr>
+          <p:cNvSpPr>
+            <a:spLocks noGrp="1"/>
+          </p:cNvSpPr>
+          <p:nvPr>
+            <p:ph type="title" orient="vert"/>
+          </p:nvPr>
+        </p:nvSpPr>
+        <p:spPr>
+          <a:xfrm>
+            <a:off x="8724900" y="365125"/>
+            <a:ext cx="2628900" cy="5811838"/>
+          </a:xfrm>
+        </p:spPr>
+        <p:txBody>
+          <a:bodyPr vert="eaVert"/>
+          <a:lstStyle/>
+          <a:p>
+            <a:r>
+              <a:rPr lang="vi-VN"/>
+              <a:t>Bấm để sửa kiểu tiêu đề Bản cái</a:t>
+            </a:r>
+            <a:endParaRPr lang="en-US"/>
+          </a:p>
+        </p:txBody>
+      </p:sp>
+      <p:sp>
+        <p:nvSpPr>
+          <p:cNvPr id="3" name="Chỗ dành sẵn cho Văn bản Dọc 2">
+            <a:extLst>
+              <a:ext uri="{FF2B5EF4-FFF2-40B4-BE49-F238E27FC236}">
+                <a16:creationId xmlns:a16="http://schemas.microsoft.com/office/drawing/2014/main" id="{3D8BEAC8-58F8-43C3-BA96-0EB9FDC5B53F}"/>
+              </a:ext>
+            </a:extLst>
+          </p:cNvPr>
+          <p:cNvSpPr>
+            <a:spLocks noGrp="1"/>
+          </p:cNvSpPr>
+          <p:nvPr>
+            <p:ph type="body" orient="vert" idx="1"/>
+          </p:nvPr>
+        </p:nvSpPr>
+        <p:spPr>
+          <a:xfrm>
+            <a:off x="838200" y="365125"/>
+            <a:ext cx="7734300" cy="5811838"/>
+          </a:xfrm>
+        </p:spPr>
+        <p:txBody>
+          <a:bodyPr vert="eaVert"/>
+          <a:lstStyle/>
+          <a:p>
+            <a:pPr lvl="0"/>
+            <a:r>
+              <a:rPr lang="vi-VN"/>
+              <a:t>Chỉnh sửa kiểu văn bản của Bản cái</a:t>
+            </a:r>
+          </a:p>
+          <a:p>
+            <a:pPr lvl="1"/>
+            <a:r>
+              <a:rPr lang="vi-VN"/>
+              <a:t>Mức hai</a:t>
+            </a:r>
+          </a:p>
+          <a:p>
+            <a:pPr lvl="2"/>
+            <a:r>
+              <a:rPr lang="vi-VN"/>
+              <a:t>Mức ba</a:t>
+            </a:r>
+          </a:p>
+          <a:p>
+            <a:pPr lvl="3"/>
+            <a:r>
+              <a:rPr lang="vi-VN"/>
+              <a:t>Mức bốn</a:t>
+            </a:r>
+          </a:p>
+          <a:p>
+            <a:pPr lvl="4"/>
+            <a:r>
+              <a:rPr lang="vi-VN"/>
+              <a:t>Mức năm</a:t>
+            </a:r>
+            <a:endParaRPr lang="en-US"/>
+          </a:p>
+        </p:txBody>
+      </p:sp>
+      <p:sp>
+        <p:nvSpPr>
+          <p:cNvPr id="4" name="Chỗ dành sẵn cho Ngày tháng 3">
+            <a:extLst>
+              <a:ext uri="{FF2B5EF4-FFF2-40B4-BE49-F238E27FC236}">
+                <a16:creationId xmlns:a16="http://schemas.microsoft.com/office/drawing/2014/main" id="{3FB541B8-10C5-4732-A031-4D7D344831E0}"/>
+              </a:ext>
+            </a:extLst>
+          </p:cNvPr>
+          <p:cNvSpPr>
+            <a:spLocks noGrp="1"/>
+          </p:cNvSpPr>
+          <p:nvPr>
+            <p:ph type="dt" sz="half" idx="10"/>
+          </p:nvPr>
+        </p:nvSpPr>
+        <p:spPr/>
+        <p:txBody>
+          <a:bodyPr/>
+          <a:lstStyle/>
+          <a:p>
+            <a:fld id="{EE215CE5-BCCD-41D7-85FB-2E8C025DF529}" type="datetimeFigureOut">
+              <a:rPr lang="en-US" smtClean="0"/>
+              <a:t>14/11/2017</a:t>
+            </a:fld>
+            <a:endParaRPr lang="en-US"/>
+          </a:p>
+        </p:txBody>
+      </p:sp>
+      <p:sp>
+        <p:nvSpPr>
+          <p:cNvPr id="5" name="Chỗ dành sẵn cho Chân trang 4">
+            <a:extLst>
+              <a:ext uri="{FF2B5EF4-FFF2-40B4-BE49-F238E27FC236}">
+                <a16:creationId xmlns:a16="http://schemas.microsoft.com/office/drawing/2014/main" id="{E2A719DD-2BCC-4D29-A966-E988B9666F90}"/>
+              </a:ext>
+            </a:extLst>
+          </p:cNvPr>
+          <p:cNvSpPr>
+            <a:spLocks noGrp="1"/>
+          </p:cNvSpPr>
+          <p:nvPr>
+            <p:ph type="ftr" sz="quarter" idx="11"/>
+          </p:nvPr>
+        </p:nvSpPr>
+        <p:spPr/>
+        <p:txBody>
+          <a:bodyPr/>
+          <a:lstStyle/>
+          <a:p>
+            <a:endParaRPr lang="en-US"/>
+          </a:p>
+        </p:txBody>
+      </p:sp>
+      <p:sp>
+        <p:nvSpPr>
+          <p:cNvPr id="6" name="Chỗ dành sẵn cho Số hiệu Bản chiếu 5">
+            <a:extLst>
+              <a:ext uri="{FF2B5EF4-FFF2-40B4-BE49-F238E27FC236}">
+                <a16:creationId xmlns:a16="http://schemas.microsoft.com/office/drawing/2014/main" id="{F930471B-582C-45FF-A453-161EE66DF44F}"/>
+              </a:ext>
+            </a:extLst>
+          </p:cNvPr>
+          <p:cNvSpPr>
+            <a:spLocks noGrp="1"/>
+          </p:cNvSpPr>
+          <p:nvPr>
+            <p:ph type="sldNum" sz="quarter" idx="12"/>
+          </p:nvPr>
+        </p:nvSpPr>
+        <p:spPr/>
+        <p:txBody>
+          <a:bodyPr/>
+          <a:lstStyle/>
+          <a:p>
+            <a:fld id="{A2D14AA6-D2F1-4222-9E22-E112E340BA66}" type="slidenum">
+              <a:rPr lang="en-US" smtClean="0"/>
+              <a:t>‹#›</a:t>
+            </a:fld>
+            <a:endParaRPr lang="en-US"/>
+          </a:p>
+        </p:txBody>
+      </p:sp>
+    </p:spTree>
+    <p:extLst>
+      <p:ext uri="{BB962C8B-B14F-4D97-AF65-F5344CB8AC3E}">
+        <p14:creationId xmlns:p14="http://schemas.microsoft.com/office/powerpoint/2010/main" val="652367852"/>
+      </p:ext>
+    </p:extLst>
+  </p:cSld>
+  <p:clrMapOvr>
+    <a:masterClrMapping/>
+  </p:clrMapOvr>
+  <p:hf hdr="0" dt="0"/>
+</p:sldLayout>
+</file>
+
+<file path=ppt/slideLayouts/slideLayout26.xml><?xml version="1.0" encoding="utf-8"?>
+<p:sldLayout xmlns:a="http://schemas.openxmlformats.org/drawingml/2006/main" xmlns:r="http://schemas.openxmlformats.org/officeDocument/2006/relationships" xmlns:p="http://schemas.openxmlformats.org/presentationml/2006/main" userDrawn="1">
+  <p:cSld name="Section Break">
+    <p:spTree>
+      <p:nvGrpSpPr>
+        <p:cNvPr id="1" name=""/>
+        <p:cNvGrpSpPr/>
+        <p:nvPr/>
+      </p:nvGrpSpPr>
+      <p:grpSpPr>
+        <a:xfrm>
+          <a:off x="0" y="0"/>
+          <a:ext cx="0" cy="0"/>
+          <a:chOff x="0" y="0"/>
+          <a:chExt cx="0" cy="0"/>
+        </a:xfrm>
+      </p:grpSpPr>
+      <p:sp>
+        <p:nvSpPr>
+          <p:cNvPr id="3" name="タイトル 1"/>
+          <p:cNvSpPr>
+            <a:spLocks noGrp="1"/>
+          </p:cNvSpPr>
+          <p:nvPr>
+            <p:ph type="title" hasCustomPrompt="1"/>
+          </p:nvPr>
+        </p:nvSpPr>
+        <p:spPr>
+          <a:xfrm>
+            <a:off x="718936" y="5157193"/>
+            <a:ext cx="9039103" cy="960107"/>
+          </a:xfrm>
+        </p:spPr>
+        <p:txBody>
+          <a:bodyPr anchor="b">
+            <a:noAutofit/>
+          </a:bodyPr>
+          <a:lstStyle>
+            <a:lvl1pPr algn="l">
+              <a:defRPr sz="4800" kern="0" spc="1333" baseline="0"/>
+            </a:lvl1pPr>
+          </a:lstStyle>
+          <a:p>
+            <a:r>
+              <a:rPr kumimoji="1" lang="en-US" altLang="ja-JP" dirty="0"/>
+              <a:t>SECTION TITLE</a:t>
+            </a:r>
+            <a:endParaRPr kumimoji="1" lang="ja-JP" altLang="en-US" dirty="0"/>
+          </a:p>
+        </p:txBody>
+      </p:sp>
+      <p:sp>
+        <p:nvSpPr>
+          <p:cNvPr id="4" name="テキスト プレースホルダー 5"/>
+          <p:cNvSpPr>
+            <a:spLocks noGrp="1"/>
+          </p:cNvSpPr>
+          <p:nvPr>
+            <p:ph type="body" sz="quarter" idx="12" hasCustomPrompt="1"/>
+          </p:nvPr>
+        </p:nvSpPr>
+        <p:spPr>
+          <a:xfrm>
+            <a:off x="718936" y="5973135"/>
+            <a:ext cx="8977109" cy="383894"/>
+          </a:xfrm>
+        </p:spPr>
+        <p:txBody>
+          <a:bodyPr>
+            <a:noAutofit/>
+          </a:bodyPr>
+          <a:lstStyle>
+            <a:lvl1pPr algn="l">
+              <a:spcBef>
+                <a:spcPts val="0"/>
+              </a:spcBef>
+              <a:defRPr sz="1867" spc="200" baseline="0">
+                <a:solidFill>
+                  <a:schemeClr val="tx1"/>
+                </a:solidFill>
+              </a:defRPr>
+            </a:lvl1pPr>
+          </a:lstStyle>
+          <a:p>
+            <a:pPr lvl="0"/>
+            <a:r>
+              <a:rPr kumimoji="1" lang="en-US" altLang="ja-JP" dirty="0"/>
+              <a:t>Description Goes Here</a:t>
+            </a:r>
+            <a:endParaRPr kumimoji="1" lang="ja-JP" altLang="en-US" dirty="0"/>
+          </a:p>
+        </p:txBody>
+      </p:sp>
+      <p:grpSp>
+        <p:nvGrpSpPr>
+          <p:cNvPr id="5" name="グループ化 4"/>
+          <p:cNvGrpSpPr/>
+          <p:nvPr userDrawn="1"/>
+        </p:nvGrpSpPr>
+        <p:grpSpPr>
+          <a:xfrm>
+            <a:off x="448486" y="4495464"/>
+            <a:ext cx="441088" cy="1152128"/>
+            <a:chOff x="4012746" y="1615108"/>
+            <a:chExt cx="661574" cy="1728192"/>
+          </a:xfrm>
+        </p:grpSpPr>
+        <p:cxnSp>
+          <p:nvCxnSpPr>
+            <p:cNvPr id="6" name="直線コネクタ 5"/>
+            <p:cNvCxnSpPr/>
+            <p:nvPr/>
+          </p:nvCxnSpPr>
+          <p:spPr>
+            <a:xfrm flipV="1">
+              <a:off x="4012746" y="1615108"/>
+              <a:ext cx="661574" cy="1008112"/>
+            </a:xfrm>
+            <a:prstGeom prst="line">
+              <a:avLst/>
+            </a:prstGeom>
+          </p:spPr>
+          <p:style>
+            <a:lnRef idx="1">
+              <a:schemeClr val="accent1"/>
+            </a:lnRef>
+            <a:fillRef idx="0">
+              <a:schemeClr val="accent1"/>
+            </a:fillRef>
+            <a:effectRef idx="0">
+              <a:schemeClr val="accent1"/>
+            </a:effectRef>
+            <a:fontRef idx="minor">
+              <a:schemeClr val="tx1"/>
+            </a:fontRef>
+          </p:style>
+        </p:cxnSp>
+        <p:cxnSp>
+          <p:nvCxnSpPr>
+            <p:cNvPr id="7" name="直線コネクタ 6"/>
+            <p:cNvCxnSpPr/>
+            <p:nvPr/>
+          </p:nvCxnSpPr>
+          <p:spPr>
+            <a:xfrm flipV="1">
+              <a:off x="4012746" y="1975148"/>
+              <a:ext cx="661574" cy="1008112"/>
+            </a:xfrm>
+            <a:prstGeom prst="line">
+              <a:avLst/>
+            </a:prstGeom>
+          </p:spPr>
+          <p:style>
+            <a:lnRef idx="1">
+              <a:schemeClr val="accent1"/>
+            </a:lnRef>
+            <a:fillRef idx="0">
+              <a:schemeClr val="accent1"/>
+            </a:fillRef>
+            <a:effectRef idx="0">
+              <a:schemeClr val="accent1"/>
+            </a:effectRef>
+            <a:fontRef idx="minor">
+              <a:schemeClr val="tx1"/>
+            </a:fontRef>
+          </p:style>
+        </p:cxnSp>
+        <p:cxnSp>
+          <p:nvCxnSpPr>
+            <p:cNvPr id="8" name="直線コネクタ 7"/>
+            <p:cNvCxnSpPr/>
+            <p:nvPr/>
+          </p:nvCxnSpPr>
+          <p:spPr>
+            <a:xfrm flipV="1">
+              <a:off x="4012746" y="2335188"/>
+              <a:ext cx="661574" cy="1008112"/>
+            </a:xfrm>
+            <a:prstGeom prst="line">
+              <a:avLst/>
+            </a:prstGeom>
+          </p:spPr>
+          <p:style>
+            <a:lnRef idx="1">
+              <a:schemeClr val="accent1"/>
+            </a:lnRef>
+            <a:fillRef idx="0">
+              <a:schemeClr val="accent1"/>
+            </a:fillRef>
+            <a:effectRef idx="0">
+              <a:schemeClr val="accent1"/>
+            </a:effectRef>
+            <a:fontRef idx="minor">
+              <a:schemeClr val="tx1"/>
+            </a:fontRef>
+          </p:style>
+        </p:cxnSp>
+      </p:grpSp>
+    </p:spTree>
+    <p:extLst>
+      <p:ext uri="{BB962C8B-B14F-4D97-AF65-F5344CB8AC3E}">
+        <p14:creationId xmlns:p14="http://schemas.microsoft.com/office/powerpoint/2010/main" val="1377321351"/>
+      </p:ext>
+    </p:extLst>
+  </p:cSld>
+  <p:clrMapOvr>
+    <a:masterClrMapping/>
+  </p:clrMapOvr>
+  <p:timing>
+    <p:tnLst>
+      <p:par>
+        <p:cTn id="1" dur="indefinite" restart="never" nodeType="tmRoot">
+          <p:childTnLst>
+            <p:seq concurrent="1" nextAc="seek">
+              <p:cTn id="2" dur="indefinite" nodeType="mainSeq">
+                <p:childTnLst>
+                  <p:par>
+                    <p:cTn id="3" fill="hold">
+                      <p:stCondLst>
+                        <p:cond delay="indefinite"/>
+                        <p:cond evt="onBegin" delay="0">
+                          <p:tn val="2"/>
+                        </p:cond>
+                      </p:stCondLst>
+                      <p:childTnLst>
+                        <p:par>
+                          <p:cTn id="4" fill="hold">
+                            <p:stCondLst>
+                              <p:cond delay="0"/>
+                            </p:stCondLst>
+                            <p:childTnLst>
+                              <p:par>
+                                <p:cTn id="5" presetID="10" presetClass="entr" presetSubtype="0" fill="hold" nodeType="afterEffect">
+                                  <p:stCondLst>
+                                    <p:cond delay="0"/>
+                                  </p:stCondLst>
+                                  <p:childTnLst>
+                                    <p:set>
+                                      <p:cBhvr>
+                                        <p:cTn id="6" dur="1" fill="hold">
+                                          <p:stCondLst>
+                                            <p:cond delay="0"/>
+                                          </p:stCondLst>
+                                        </p:cTn>
+                                        <p:tgtEl>
+                                          <p:spTgt spid="5"/>
+                                        </p:tgtEl>
+                                        <p:attrNameLst>
+                                          <p:attrName>style.visibility</p:attrName>
+                                        </p:attrNameLst>
+                                      </p:cBhvr>
+                                      <p:to>
+                                        <p:strVal val="visible"/>
+                                      </p:to>
+                                    </p:set>
+                                    <p:animEffect transition="in" filter="fade">
+                                      <p:cBhvr>
+                                        <p:cTn id="7" dur="500"/>
+                                        <p:tgtEl>
+                                          <p:spTgt spid="5"/>
+                                        </p:tgtEl>
+                                      </p:cBhvr>
+                                    </p:animEffect>
+                                  </p:childTnLst>
+                                </p:cTn>
+                              </p:par>
+                            </p:childTnLst>
+                          </p:cTn>
+                        </p:par>
+                        <p:par>
+                          <p:cTn id="8" fill="hold">
+                            <p:stCondLst>
+                              <p:cond delay="500"/>
+                            </p:stCondLst>
+                            <p:childTnLst>
+                              <p:par>
+                                <p:cTn id="9" presetID="2" presetClass="entr" presetSubtype="8" decel="100000" fill="hold" grpId="0" nodeType="afterEffect">
+                                  <p:stCondLst>
+                                    <p:cond delay="0"/>
+                                  </p:stCondLst>
+                                  <p:iterate type="lt">
+                                    <p:tmPct val="10000"/>
+                                  </p:iterate>
+                                  <p:childTnLst>
+                                    <p:set>
+                                      <p:cBhvr>
+                                        <p:cTn id="10" dur="1" fill="hold">
+                                          <p:stCondLst>
+                                            <p:cond delay="0"/>
+                                          </p:stCondLst>
+                                        </p:cTn>
+                                        <p:tgtEl>
+                                          <p:spTgt spid="3"/>
+                                        </p:tgtEl>
+                                        <p:attrNameLst>
+                                          <p:attrName>style.visibility</p:attrName>
+                                        </p:attrNameLst>
+                                      </p:cBhvr>
+                                      <p:to>
+                                        <p:strVal val="visible"/>
+                                      </p:to>
+                                    </p:set>
+                                    <p:anim calcmode="lin" valueType="num">
+                                      <p:cBhvr additive="base">
+                                        <p:cTn id="11" dur="500" fill="hold"/>
+                                        <p:tgtEl>
+                                          <p:spTgt spid="3"/>
+                                        </p:tgtEl>
+                                        <p:attrNameLst>
+                                          <p:attrName>ppt_x</p:attrName>
+                                        </p:attrNameLst>
+                                      </p:cBhvr>
+                                      <p:tavLst>
+                                        <p:tav tm="0">
+                                          <p:val>
+                                            <p:strVal val="0-#ppt_w/2"/>
+                                          </p:val>
+                                        </p:tav>
+                                        <p:tav tm="100000">
+                                          <p:val>
+                                            <p:strVal val="#ppt_x"/>
+                                          </p:val>
+                                        </p:tav>
+                                      </p:tavLst>
+                                    </p:anim>
+                                    <p:anim calcmode="lin" valueType="num">
+                                      <p:cBhvr additive="base">
+                                        <p:cTn id="12" dur="500" fill="hold"/>
+                                        <p:tgtEl>
+                                          <p:spTgt spid="3"/>
+                                        </p:tgtEl>
+                                        <p:attrNameLst>
+                                          <p:attrName>ppt_y</p:attrName>
+                                        </p:attrNameLst>
+                                      </p:cBhvr>
+                                      <p:tavLst>
+                                        <p:tav tm="0">
+                                          <p:val>
+                                            <p:strVal val="#ppt_y"/>
+                                          </p:val>
+                                        </p:tav>
+                                        <p:tav tm="100000">
+                                          <p:val>
+                                            <p:strVal val="#ppt_y"/>
+                                          </p:val>
+                                        </p:tav>
+                                      </p:tavLst>
+                                    </p:anim>
+                                  </p:childTnLst>
+                                </p:cTn>
+                              </p:par>
+                              <p:par>
+                                <p:cTn id="13" presetID="2" presetClass="entr" presetSubtype="2" decel="100000" fill="hold" grpId="0" nodeType="withEffect">
+                                  <p:stCondLst>
+                                    <p:cond delay="0"/>
+                                  </p:stCondLst>
+                                  <p:iterate type="wd">
+                                    <p:tmPct val="10000"/>
+                                  </p:iterate>
+                                  <p:childTnLst>
+                                    <p:set>
+                                      <p:cBhvr>
+                                        <p:cTn id="14" dur="1" fill="hold">
+                                          <p:stCondLst>
+                                            <p:cond delay="0"/>
+                                          </p:stCondLst>
+                                        </p:cTn>
+                                        <p:tgtEl>
+                                          <p:spTgt spid="4">
+                                            <p:txEl>
+                                              <p:pRg st="0" end="0"/>
+                                            </p:txEl>
+                                          </p:spTgt>
+                                        </p:tgtEl>
+                                        <p:attrNameLst>
+                                          <p:attrName>style.visibility</p:attrName>
+                                        </p:attrNameLst>
+                                      </p:cBhvr>
+                                      <p:to>
+                                        <p:strVal val="visible"/>
+                                      </p:to>
+                                    </p:set>
+                                    <p:anim calcmode="lin" valueType="num">
+                                      <p:cBhvr additive="base">
+                                        <p:cTn id="15" dur="500" fill="hold"/>
+                                        <p:tgtEl>
+                                          <p:spTgt spid="4">
+                                            <p:txEl>
+                                              <p:pRg st="0" end="0"/>
+                                            </p:txEl>
+                                          </p:spTgt>
+                                        </p:tgtEl>
+                                        <p:attrNameLst>
+                                          <p:attrName>ppt_x</p:attrName>
+                                        </p:attrNameLst>
+                                      </p:cBhvr>
+                                      <p:tavLst>
+                                        <p:tav tm="0">
+                                          <p:val>
+                                            <p:strVal val="1+#ppt_w/2"/>
+                                          </p:val>
+                                        </p:tav>
+                                        <p:tav tm="100000">
+                                          <p:val>
+                                            <p:strVal val="#ppt_x"/>
+                                          </p:val>
+                                        </p:tav>
+                                      </p:tavLst>
+                                    </p:anim>
+                                    <p:anim calcmode="lin" valueType="num">
+                                      <p:cBhvr additive="base">
+                                        <p:cTn id="16" dur="500" fill="hold"/>
+                                        <p:tgtEl>
+                                          <p:spTgt spid="4">
+                                            <p:txEl>
+                                              <p:pRg st="0" end="0"/>
+                                            </p:txEl>
+                                          </p:spTgt>
+                                        </p:tgtEl>
+                                        <p:attrNameLst>
+                                          <p:attrName>ppt_y</p:attrName>
+                                        </p:attrNameLst>
+                                      </p:cBhvr>
+                                      <p:tavLst>
+                                        <p:tav tm="0">
+                                          <p:val>
+                                            <p:strVal val="#ppt_y"/>
+                                          </p:val>
+                                        </p:tav>
+                                        <p:tav tm="100000">
+                                          <p:val>
+                                            <p:strVal val="#ppt_y"/>
+                                          </p:val>
+                                        </p:tav>
+                                      </p:tavLst>
+                                    </p:anim>
+                                  </p:childTnLst>
+                                </p:cTn>
+                              </p:par>
+                            </p:childTnLst>
+                          </p:cTn>
+                        </p:par>
+                      </p:childTnLst>
+                    </p:cTn>
+                  </p:par>
+                </p:childTnLst>
+              </p:cTn>
+              <p:prevCondLst>
+                <p:cond evt="onPrev" delay="0">
+                  <p:tgtEl>
+                    <p:sldTgt/>
+                  </p:tgtEl>
+                </p:cond>
+              </p:prevCondLst>
+              <p:nextCondLst>
+                <p:cond evt="onNext" delay="0">
+                  <p:tgtEl>
+                    <p:sldTgt/>
+                  </p:tgtEl>
+                </p:cond>
+              </p:nextCondLst>
+            </p:seq>
+          </p:childTnLst>
+        </p:cTn>
+      </p:par>
+    </p:tnLst>
+    <p:bldLst>
+      <p:bldP spid="3" grpId="0"/>
+      <p:bldP spid="4" grpId="0" build="p">
+        <p:tmplLst>
+          <p:tmpl lvl="1">
+            <p:tnLst>
+              <p:par>
+                <p:cTn presetID="2" presetClass="entr" presetSubtype="2" decel="100000" fill="hold" nodeType="withEffect">
+                  <p:stCondLst>
+                    <p:cond delay="0"/>
+                  </p:stCondLst>
+                  <p:iterate type="wd">
+                    <p:tmPct val="10000"/>
+                  </p:iterate>
+                  <p:childTnLst>
+                    <p:set>
+                      <p:cBhvr>
+                        <p:cTn dur="1" fill="hold">
+                          <p:stCondLst>
+                            <p:cond delay="0"/>
+                          </p:stCondLst>
+                        </p:cTn>
+                        <p:tgtEl>
+                          <p:spTgt spid="4"/>
+                        </p:tgtEl>
+                        <p:attrNameLst>
+                          <p:attrName>style.visibility</p:attrName>
+                        </p:attrNameLst>
+                      </p:cBhvr>
+                      <p:to>
+                        <p:strVal val="visible"/>
+                      </p:to>
+                    </p:set>
+                    <p:anim calcmode="lin" valueType="num">
+                      <p:cBhvr additive="base">
+                        <p:cTn dur="500" fill="hold"/>
+                        <p:tgtEl>
+                          <p:spTgt spid="4"/>
+                        </p:tgtEl>
+                        <p:attrNameLst>
+                          <p:attrName>ppt_x</p:attrName>
+                        </p:attrNameLst>
+                      </p:cBhvr>
+                      <p:tavLst>
+                        <p:tav tm="0">
+                          <p:val>
+                            <p:strVal val="1+#ppt_w/2"/>
+                          </p:val>
+                        </p:tav>
+                        <p:tav tm="100000">
+                          <p:val>
+                            <p:strVal val="#ppt_x"/>
+                          </p:val>
+                        </p:tav>
+                      </p:tavLst>
+                    </p:anim>
+                    <p:anim calcmode="lin" valueType="num">
+                      <p:cBhvr additive="base">
+                        <p:cTn dur="500" fill="hold"/>
+                        <p:tgtEl>
+                          <p:spTgt spid="4"/>
+                        </p:tgtEl>
+                        <p:attrNameLst>
+                          <p:attrName>ppt_y</p:attrName>
+                        </p:attrNameLst>
+                      </p:cBhvr>
+                      <p:tavLst>
+                        <p:tav tm="0">
+                          <p:val>
+                            <p:strVal val="#ppt_y"/>
+                          </p:val>
+                        </p:tav>
+                        <p:tav tm="100000">
+                          <p:val>
+                            <p:strVal val="#ppt_y"/>
+                          </p:val>
+                        </p:tav>
+                      </p:tavLst>
+                    </p:anim>
                   </p:childTnLst>
                 </p:cTn>
               </p:par>
@@ -15273,9 +18494,14 @@
 </p:sldMaster>
 </file>
 
-<file path=ppt/slides/slide1.xml><?xml version="1.0" encoding="utf-8"?>
-<p:sld xmlns:a="http://schemas.openxmlformats.org/drawingml/2006/main" xmlns:r="http://schemas.openxmlformats.org/officeDocument/2006/relationships" xmlns:p="http://schemas.openxmlformats.org/presentationml/2006/main">
+<file path=ppt/slideMasters/slideMaster2.xml><?xml version="1.0" encoding="utf-8"?>
+<p:sldMaster xmlns:a="http://schemas.openxmlformats.org/drawingml/2006/main" xmlns:r="http://schemas.openxmlformats.org/officeDocument/2006/relationships" xmlns:p="http://schemas.openxmlformats.org/presentationml/2006/main">
   <p:cSld>
+    <p:bg>
+      <p:bgRef idx="1001">
+        <a:schemeClr val="bg1"/>
+      </p:bgRef>
+    </p:bg>
     <p:spTree>
       <p:nvGrpSpPr>
         <p:cNvPr id="1" name=""/>
@@ -15292,7 +18518,13 @@
       </p:grpSpPr>
       <p:sp>
         <p:nvSpPr>
-          <p:cNvPr id="11" name="タイトル 10"/>
+          <p:cNvPr id="2" name="Chỗ dành sẵn cho Tiêu đề 1">
+            <a:extLst>
+              <a:ext uri="{FF2B5EF4-FFF2-40B4-BE49-F238E27FC236}">
+                <a16:creationId xmlns:a16="http://schemas.microsoft.com/office/drawing/2014/main" id="{180D1580-4AF7-4DC2-BBB1-DDE9C0D41497}"/>
+              </a:ext>
+            </a:extLst>
+          </p:cNvPr>
           <p:cNvSpPr>
             <a:spLocks noGrp="1"/>
           </p:cNvSpPr>
@@ -15300,61 +18532,551 @@
             <p:ph type="title"/>
           </p:nvPr>
         </p:nvSpPr>
-        <p:spPr/>
+        <p:spPr>
+          <a:xfrm>
+            <a:off x="838200" y="365125"/>
+            <a:ext cx="10515600" cy="1325563"/>
+          </a:xfrm>
+          <a:prstGeom prst="rect">
+            <a:avLst/>
+          </a:prstGeom>
+        </p:spPr>
         <p:txBody>
-          <a:bodyPr/>
+          <a:bodyPr vert="horz" lIns="91440" tIns="45720" rIns="91440" bIns="45720" rtlCol="0" anchor="ctr">
+            <a:normAutofit/>
+          </a:bodyPr>
           <a:lstStyle/>
           <a:p>
             <a:r>
-              <a:rPr lang="en-US" altLang="ja-JP"/>
-              <a:t>MÔ HÌNH HÀNH VI</a:t>
+              <a:rPr lang="vi-VN"/>
+              <a:t>Bấm để sửa kiểu tiêu đề Bản cái</a:t>
             </a:r>
-            <a:endParaRPr kumimoji="1" lang="ja-JP" altLang="en-US" dirty="0"/>
+            <a:endParaRPr lang="en-US"/>
           </a:p>
         </p:txBody>
       </p:sp>
       <p:sp>
         <p:nvSpPr>
-          <p:cNvPr id="12" name="テキスト プレースホルダー 11"/>
+          <p:cNvPr id="3" name="Chỗ dành sẵn cho Văn bản 2">
+            <a:extLst>
+              <a:ext uri="{FF2B5EF4-FFF2-40B4-BE49-F238E27FC236}">
+                <a16:creationId xmlns:a16="http://schemas.microsoft.com/office/drawing/2014/main" id="{349E7697-7F42-47AB-8F18-3A12FD19613C}"/>
+              </a:ext>
+            </a:extLst>
+          </p:cNvPr>
           <p:cNvSpPr>
             <a:spLocks noGrp="1"/>
           </p:cNvSpPr>
           <p:nvPr>
-            <p:ph type="body" sz="quarter" idx="12"/>
+            <p:ph type="body" idx="1"/>
           </p:nvPr>
         </p:nvSpPr>
-        <p:spPr/>
+        <p:spPr>
+          <a:xfrm>
+            <a:off x="838200" y="1825625"/>
+            <a:ext cx="10515600" cy="4351338"/>
+          </a:xfrm>
+          <a:prstGeom prst="rect">
+            <a:avLst/>
+          </a:prstGeom>
+        </p:spPr>
         <p:txBody>
-          <a:bodyPr/>
+          <a:bodyPr vert="horz" lIns="91440" tIns="45720" rIns="91440" bIns="45720" rtlCol="0">
+            <a:normAutofit/>
+          </a:bodyPr>
           <a:lstStyle/>
           <a:p>
+            <a:pPr lvl="0"/>
             <a:r>
-              <a:rPr lang="en-US" altLang="ja-JP"/>
-              <a:t>Phần 1</a:t>
+              <a:rPr lang="vi-VN"/>
+              <a:t>Chỉnh sửa kiểu văn bản của Bản cái</a:t>
             </a:r>
-            <a:endParaRPr kumimoji="1" lang="ja-JP" altLang="en-US" dirty="0"/>
+          </a:p>
+          <a:p>
+            <a:pPr lvl="1"/>
+            <a:r>
+              <a:rPr lang="vi-VN"/>
+              <a:t>Mức hai</a:t>
+            </a:r>
+          </a:p>
+          <a:p>
+            <a:pPr lvl="2"/>
+            <a:r>
+              <a:rPr lang="vi-VN"/>
+              <a:t>Mức ba</a:t>
+            </a:r>
+          </a:p>
+          <a:p>
+            <a:pPr lvl="3"/>
+            <a:r>
+              <a:rPr lang="vi-VN"/>
+              <a:t>Mức bốn</a:t>
+            </a:r>
+          </a:p>
+          <a:p>
+            <a:pPr lvl="4"/>
+            <a:r>
+              <a:rPr lang="vi-VN"/>
+              <a:t>Mức năm</a:t>
+            </a:r>
+            <a:endParaRPr lang="en-US"/>
+          </a:p>
+        </p:txBody>
+      </p:sp>
+      <p:sp>
+        <p:nvSpPr>
+          <p:cNvPr id="4" name="Chỗ dành sẵn cho Ngày tháng 3">
+            <a:extLst>
+              <a:ext uri="{FF2B5EF4-FFF2-40B4-BE49-F238E27FC236}">
+                <a16:creationId xmlns:a16="http://schemas.microsoft.com/office/drawing/2014/main" id="{2AF3CAEC-C4C5-4F77-83B6-BD5F521D4F8B}"/>
+              </a:ext>
+            </a:extLst>
+          </p:cNvPr>
+          <p:cNvSpPr>
+            <a:spLocks noGrp="1"/>
+          </p:cNvSpPr>
+          <p:nvPr>
+            <p:ph type="dt" sz="half" idx="2"/>
+          </p:nvPr>
+        </p:nvSpPr>
+        <p:spPr>
+          <a:xfrm>
+            <a:off x="838200" y="6356350"/>
+            <a:ext cx="2743200" cy="365125"/>
+          </a:xfrm>
+          <a:prstGeom prst="rect">
+            <a:avLst/>
+          </a:prstGeom>
+        </p:spPr>
+        <p:txBody>
+          <a:bodyPr vert="horz" lIns="91440" tIns="45720" rIns="91440" bIns="45720" rtlCol="0" anchor="ctr"/>
+          <a:lstStyle>
+            <a:lvl1pPr algn="l">
+              <a:defRPr sz="1200">
+                <a:solidFill>
+                  <a:schemeClr val="tx1">
+                    <a:tint val="75000"/>
+                  </a:schemeClr>
+                </a:solidFill>
+              </a:defRPr>
+            </a:lvl1pPr>
+          </a:lstStyle>
+          <a:p>
+            <a:fld id="{EE215CE5-BCCD-41D7-85FB-2E8C025DF529}" type="datetimeFigureOut">
+              <a:rPr lang="en-US" smtClean="0"/>
+              <a:t>14/11/2017</a:t>
+            </a:fld>
+            <a:endParaRPr lang="en-US"/>
+          </a:p>
+        </p:txBody>
+      </p:sp>
+      <p:sp>
+        <p:nvSpPr>
+          <p:cNvPr id="5" name="Chỗ dành sẵn cho Chân trang 4">
+            <a:extLst>
+              <a:ext uri="{FF2B5EF4-FFF2-40B4-BE49-F238E27FC236}">
+                <a16:creationId xmlns:a16="http://schemas.microsoft.com/office/drawing/2014/main" id="{DF65551D-EE05-463C-B27B-7A25C4D3EE6F}"/>
+              </a:ext>
+            </a:extLst>
+          </p:cNvPr>
+          <p:cNvSpPr>
+            <a:spLocks noGrp="1"/>
+          </p:cNvSpPr>
+          <p:nvPr>
+            <p:ph type="ftr" sz="quarter" idx="3"/>
+          </p:nvPr>
+        </p:nvSpPr>
+        <p:spPr>
+          <a:xfrm>
+            <a:off x="4038600" y="6356350"/>
+            <a:ext cx="4114800" cy="365125"/>
+          </a:xfrm>
+          <a:prstGeom prst="rect">
+            <a:avLst/>
+          </a:prstGeom>
+        </p:spPr>
+        <p:txBody>
+          <a:bodyPr vert="horz" lIns="91440" tIns="45720" rIns="91440" bIns="45720" rtlCol="0" anchor="ctr"/>
+          <a:lstStyle>
+            <a:lvl1pPr algn="ctr">
+              <a:defRPr sz="1200">
+                <a:solidFill>
+                  <a:schemeClr val="tx1">
+                    <a:tint val="75000"/>
+                  </a:schemeClr>
+                </a:solidFill>
+              </a:defRPr>
+            </a:lvl1pPr>
+          </a:lstStyle>
+          <a:p>
+            <a:endParaRPr lang="en-US"/>
+          </a:p>
+        </p:txBody>
+      </p:sp>
+      <p:sp>
+        <p:nvSpPr>
+          <p:cNvPr id="6" name="Chỗ dành sẵn cho Số hiệu Bản chiếu 5">
+            <a:extLst>
+              <a:ext uri="{FF2B5EF4-FFF2-40B4-BE49-F238E27FC236}">
+                <a16:creationId xmlns:a16="http://schemas.microsoft.com/office/drawing/2014/main" id="{7962B637-295C-4FC9-9F73-20EEF13BEC5F}"/>
+              </a:ext>
+            </a:extLst>
+          </p:cNvPr>
+          <p:cNvSpPr>
+            <a:spLocks noGrp="1"/>
+          </p:cNvSpPr>
+          <p:nvPr>
+            <p:ph type="sldNum" sz="quarter" idx="4"/>
+          </p:nvPr>
+        </p:nvSpPr>
+        <p:spPr>
+          <a:xfrm>
+            <a:off x="8610600" y="6356350"/>
+            <a:ext cx="2743200" cy="365125"/>
+          </a:xfrm>
+          <a:prstGeom prst="rect">
+            <a:avLst/>
+          </a:prstGeom>
+        </p:spPr>
+        <p:txBody>
+          <a:bodyPr vert="horz" lIns="91440" tIns="45720" rIns="91440" bIns="45720" rtlCol="0" anchor="ctr"/>
+          <a:lstStyle>
+            <a:lvl1pPr algn="r">
+              <a:defRPr sz="1200">
+                <a:solidFill>
+                  <a:schemeClr val="tx1">
+                    <a:tint val="75000"/>
+                  </a:schemeClr>
+                </a:solidFill>
+              </a:defRPr>
+            </a:lvl1pPr>
+          </a:lstStyle>
+          <a:p>
+            <a:fld id="{A2D14AA6-D2F1-4222-9E22-E112E340BA66}" type="slidenum">
+              <a:rPr lang="en-US" smtClean="0"/>
+              <a:t>‹#›</a:t>
+            </a:fld>
+            <a:endParaRPr lang="en-US"/>
           </a:p>
         </p:txBody>
       </p:sp>
     </p:spTree>
     <p:extLst>
       <p:ext uri="{BB962C8B-B14F-4D97-AF65-F5344CB8AC3E}">
-        <p14:creationId xmlns:p14="http://schemas.microsoft.com/office/powerpoint/2010/main" val="2200155798"/>
+        <p14:creationId xmlns:p14="http://schemas.microsoft.com/office/powerpoint/2010/main" val="2747439839"/>
       </p:ext>
     </p:extLst>
   </p:cSld>
-  <p:clrMapOvr>
-    <a:masterClrMapping/>
-  </p:clrMapOvr>
-  <p:transition spd="slow">
-    <p:push dir="u"/>
-  </p:transition>
-</p:sld>
+  <p:clrMap bg1="lt1" tx1="dk1" bg2="lt2" tx2="dk2" accent1="accent1" accent2="accent2" accent3="accent3" accent4="accent4" accent5="accent5" accent6="accent6" hlink="hlink" folHlink="folHlink"/>
+  <p:sldLayoutIdLst>
+    <p:sldLayoutId id="2147483705" r:id="rId1"/>
+    <p:sldLayoutId id="2147483706" r:id="rId2"/>
+    <p:sldLayoutId id="2147483707" r:id="rId3"/>
+    <p:sldLayoutId id="2147483708" r:id="rId4"/>
+    <p:sldLayoutId id="2147483709" r:id="rId5"/>
+    <p:sldLayoutId id="2147483710" r:id="rId6"/>
+    <p:sldLayoutId id="2147483711" r:id="rId7"/>
+    <p:sldLayoutId id="2147483712" r:id="rId8"/>
+    <p:sldLayoutId id="2147483713" r:id="rId9"/>
+    <p:sldLayoutId id="2147483714" r:id="rId10"/>
+    <p:sldLayoutId id="2147483715" r:id="rId11"/>
+    <p:sldLayoutId id="2147483716" r:id="rId12"/>
+  </p:sldLayoutIdLst>
+  <p:hf hdr="0" dt="0"/>
+  <p:txStyles>
+    <p:titleStyle>
+      <a:lvl1pPr algn="l" defTabSz="914400" rtl="0" eaLnBrk="1" latinLnBrk="0" hangingPunct="1">
+        <a:lnSpc>
+          <a:spcPct val="90000"/>
+        </a:lnSpc>
+        <a:spcBef>
+          <a:spcPct val="0"/>
+        </a:spcBef>
+        <a:buNone/>
+        <a:defRPr sz="4400" kern="1200">
+          <a:solidFill>
+            <a:schemeClr val="tx1"/>
+          </a:solidFill>
+          <a:latin typeface="+mj-lt"/>
+          <a:ea typeface="+mj-ea"/>
+          <a:cs typeface="+mj-cs"/>
+        </a:defRPr>
+      </a:lvl1pPr>
+    </p:titleStyle>
+    <p:bodyStyle>
+      <a:lvl1pPr marL="228600" indent="-228600" algn="l" defTabSz="914400" rtl="0" eaLnBrk="1" latinLnBrk="0" hangingPunct="1">
+        <a:lnSpc>
+          <a:spcPct val="90000"/>
+        </a:lnSpc>
+        <a:spcBef>
+          <a:spcPts val="1000"/>
+        </a:spcBef>
+        <a:buFont typeface="Arial" panose="020B0604020202020204" pitchFamily="34" charset="0"/>
+        <a:buChar char="•"/>
+        <a:defRPr sz="2800" kern="1200">
+          <a:solidFill>
+            <a:schemeClr val="tx1"/>
+          </a:solidFill>
+          <a:latin typeface="+mn-lt"/>
+          <a:ea typeface="+mn-ea"/>
+          <a:cs typeface="+mn-cs"/>
+        </a:defRPr>
+      </a:lvl1pPr>
+      <a:lvl2pPr marL="685800" indent="-228600" algn="l" defTabSz="914400" rtl="0" eaLnBrk="1" latinLnBrk="0" hangingPunct="1">
+        <a:lnSpc>
+          <a:spcPct val="90000"/>
+        </a:lnSpc>
+        <a:spcBef>
+          <a:spcPts val="500"/>
+        </a:spcBef>
+        <a:buFont typeface="Arial" panose="020B0604020202020204" pitchFamily="34" charset="0"/>
+        <a:buChar char="•"/>
+        <a:defRPr sz="2400" kern="1200">
+          <a:solidFill>
+            <a:schemeClr val="tx1"/>
+          </a:solidFill>
+          <a:latin typeface="+mn-lt"/>
+          <a:ea typeface="+mn-ea"/>
+          <a:cs typeface="+mn-cs"/>
+        </a:defRPr>
+      </a:lvl2pPr>
+      <a:lvl3pPr marL="1143000" indent="-228600" algn="l" defTabSz="914400" rtl="0" eaLnBrk="1" latinLnBrk="0" hangingPunct="1">
+        <a:lnSpc>
+          <a:spcPct val="90000"/>
+        </a:lnSpc>
+        <a:spcBef>
+          <a:spcPts val="500"/>
+        </a:spcBef>
+        <a:buFont typeface="Arial" panose="020B0604020202020204" pitchFamily="34" charset="0"/>
+        <a:buChar char="•"/>
+        <a:defRPr sz="2000" kern="1200">
+          <a:solidFill>
+            <a:schemeClr val="tx1"/>
+          </a:solidFill>
+          <a:latin typeface="+mn-lt"/>
+          <a:ea typeface="+mn-ea"/>
+          <a:cs typeface="+mn-cs"/>
+        </a:defRPr>
+      </a:lvl3pPr>
+      <a:lvl4pPr marL="1600200" indent="-228600" algn="l" defTabSz="914400" rtl="0" eaLnBrk="1" latinLnBrk="0" hangingPunct="1">
+        <a:lnSpc>
+          <a:spcPct val="90000"/>
+        </a:lnSpc>
+        <a:spcBef>
+          <a:spcPts val="500"/>
+        </a:spcBef>
+        <a:buFont typeface="Arial" panose="020B0604020202020204" pitchFamily="34" charset="0"/>
+        <a:buChar char="•"/>
+        <a:defRPr sz="1800" kern="1200">
+          <a:solidFill>
+            <a:schemeClr val="tx1"/>
+          </a:solidFill>
+          <a:latin typeface="+mn-lt"/>
+          <a:ea typeface="+mn-ea"/>
+          <a:cs typeface="+mn-cs"/>
+        </a:defRPr>
+      </a:lvl4pPr>
+      <a:lvl5pPr marL="2057400" indent="-228600" algn="l" defTabSz="914400" rtl="0" eaLnBrk="1" latinLnBrk="0" hangingPunct="1">
+        <a:lnSpc>
+          <a:spcPct val="90000"/>
+        </a:lnSpc>
+        <a:spcBef>
+          <a:spcPts val="500"/>
+        </a:spcBef>
+        <a:buFont typeface="Arial" panose="020B0604020202020204" pitchFamily="34" charset="0"/>
+        <a:buChar char="•"/>
+        <a:defRPr sz="1800" kern="1200">
+          <a:solidFill>
+            <a:schemeClr val="tx1"/>
+          </a:solidFill>
+          <a:latin typeface="+mn-lt"/>
+          <a:ea typeface="+mn-ea"/>
+          <a:cs typeface="+mn-cs"/>
+        </a:defRPr>
+      </a:lvl5pPr>
+      <a:lvl6pPr marL="2514600" indent="-228600" algn="l" defTabSz="914400" rtl="0" eaLnBrk="1" latinLnBrk="0" hangingPunct="1">
+        <a:lnSpc>
+          <a:spcPct val="90000"/>
+        </a:lnSpc>
+        <a:spcBef>
+          <a:spcPts val="500"/>
+        </a:spcBef>
+        <a:buFont typeface="Arial" panose="020B0604020202020204" pitchFamily="34" charset="0"/>
+        <a:buChar char="•"/>
+        <a:defRPr sz="1800" kern="1200">
+          <a:solidFill>
+            <a:schemeClr val="tx1"/>
+          </a:solidFill>
+          <a:latin typeface="+mn-lt"/>
+          <a:ea typeface="+mn-ea"/>
+          <a:cs typeface="+mn-cs"/>
+        </a:defRPr>
+      </a:lvl6pPr>
+      <a:lvl7pPr marL="2971800" indent="-228600" algn="l" defTabSz="914400" rtl="0" eaLnBrk="1" latinLnBrk="0" hangingPunct="1">
+        <a:lnSpc>
+          <a:spcPct val="90000"/>
+        </a:lnSpc>
+        <a:spcBef>
+          <a:spcPts val="500"/>
+        </a:spcBef>
+        <a:buFont typeface="Arial" panose="020B0604020202020204" pitchFamily="34" charset="0"/>
+        <a:buChar char="•"/>
+        <a:defRPr sz="1800" kern="1200">
+          <a:solidFill>
+            <a:schemeClr val="tx1"/>
+          </a:solidFill>
+          <a:latin typeface="+mn-lt"/>
+          <a:ea typeface="+mn-ea"/>
+          <a:cs typeface="+mn-cs"/>
+        </a:defRPr>
+      </a:lvl7pPr>
+      <a:lvl8pPr marL="3429000" indent="-228600" algn="l" defTabSz="914400" rtl="0" eaLnBrk="1" latinLnBrk="0" hangingPunct="1">
+        <a:lnSpc>
+          <a:spcPct val="90000"/>
+        </a:lnSpc>
+        <a:spcBef>
+          <a:spcPts val="500"/>
+        </a:spcBef>
+        <a:buFont typeface="Arial" panose="020B0604020202020204" pitchFamily="34" charset="0"/>
+        <a:buChar char="•"/>
+        <a:defRPr sz="1800" kern="1200">
+          <a:solidFill>
+            <a:schemeClr val="tx1"/>
+          </a:solidFill>
+          <a:latin typeface="+mn-lt"/>
+          <a:ea typeface="+mn-ea"/>
+          <a:cs typeface="+mn-cs"/>
+        </a:defRPr>
+      </a:lvl8pPr>
+      <a:lvl9pPr marL="3886200" indent="-228600" algn="l" defTabSz="914400" rtl="0" eaLnBrk="1" latinLnBrk="0" hangingPunct="1">
+        <a:lnSpc>
+          <a:spcPct val="90000"/>
+        </a:lnSpc>
+        <a:spcBef>
+          <a:spcPts val="500"/>
+        </a:spcBef>
+        <a:buFont typeface="Arial" panose="020B0604020202020204" pitchFamily="34" charset="0"/>
+        <a:buChar char="•"/>
+        <a:defRPr sz="1800" kern="1200">
+          <a:solidFill>
+            <a:schemeClr val="tx1"/>
+          </a:solidFill>
+          <a:latin typeface="+mn-lt"/>
+          <a:ea typeface="+mn-ea"/>
+          <a:cs typeface="+mn-cs"/>
+        </a:defRPr>
+      </a:lvl9pPr>
+    </p:bodyStyle>
+    <p:otherStyle>
+      <a:defPPr>
+        <a:defRPr lang="en-US"/>
+      </a:defPPr>
+      <a:lvl1pPr marL="0" algn="l" defTabSz="914400" rtl="0" eaLnBrk="1" latinLnBrk="0" hangingPunct="1">
+        <a:defRPr sz="1800" kern="1200">
+          <a:solidFill>
+            <a:schemeClr val="tx1"/>
+          </a:solidFill>
+          <a:latin typeface="+mn-lt"/>
+          <a:ea typeface="+mn-ea"/>
+          <a:cs typeface="+mn-cs"/>
+        </a:defRPr>
+      </a:lvl1pPr>
+      <a:lvl2pPr marL="457200" algn="l" defTabSz="914400" rtl="0" eaLnBrk="1" latinLnBrk="0" hangingPunct="1">
+        <a:defRPr sz="1800" kern="1200">
+          <a:solidFill>
+            <a:schemeClr val="tx1"/>
+          </a:solidFill>
+          <a:latin typeface="+mn-lt"/>
+          <a:ea typeface="+mn-ea"/>
+          <a:cs typeface="+mn-cs"/>
+        </a:defRPr>
+      </a:lvl2pPr>
+      <a:lvl3pPr marL="914400" algn="l" defTabSz="914400" rtl="0" eaLnBrk="1" latinLnBrk="0" hangingPunct="1">
+        <a:defRPr sz="1800" kern="1200">
+          <a:solidFill>
+            <a:schemeClr val="tx1"/>
+          </a:solidFill>
+          <a:latin typeface="+mn-lt"/>
+          <a:ea typeface="+mn-ea"/>
+          <a:cs typeface="+mn-cs"/>
+        </a:defRPr>
+      </a:lvl3pPr>
+      <a:lvl4pPr marL="1371600" algn="l" defTabSz="914400" rtl="0" eaLnBrk="1" latinLnBrk="0" hangingPunct="1">
+        <a:defRPr sz="1800" kern="1200">
+          <a:solidFill>
+            <a:schemeClr val="tx1"/>
+          </a:solidFill>
+          <a:latin typeface="+mn-lt"/>
+          <a:ea typeface="+mn-ea"/>
+          <a:cs typeface="+mn-cs"/>
+        </a:defRPr>
+      </a:lvl4pPr>
+      <a:lvl5pPr marL="1828800" algn="l" defTabSz="914400" rtl="0" eaLnBrk="1" latinLnBrk="0" hangingPunct="1">
+        <a:defRPr sz="1800" kern="1200">
+          <a:solidFill>
+            <a:schemeClr val="tx1"/>
+          </a:solidFill>
+          <a:latin typeface="+mn-lt"/>
+          <a:ea typeface="+mn-ea"/>
+          <a:cs typeface="+mn-cs"/>
+        </a:defRPr>
+      </a:lvl5pPr>
+      <a:lvl6pPr marL="2286000" algn="l" defTabSz="914400" rtl="0" eaLnBrk="1" latinLnBrk="0" hangingPunct="1">
+        <a:defRPr sz="1800" kern="1200">
+          <a:solidFill>
+            <a:schemeClr val="tx1"/>
+          </a:solidFill>
+          <a:latin typeface="+mn-lt"/>
+          <a:ea typeface="+mn-ea"/>
+          <a:cs typeface="+mn-cs"/>
+        </a:defRPr>
+      </a:lvl6pPr>
+      <a:lvl7pPr marL="2743200" algn="l" defTabSz="914400" rtl="0" eaLnBrk="1" latinLnBrk="0" hangingPunct="1">
+        <a:defRPr sz="1800" kern="1200">
+          <a:solidFill>
+            <a:schemeClr val="tx1"/>
+          </a:solidFill>
+          <a:latin typeface="+mn-lt"/>
+          <a:ea typeface="+mn-ea"/>
+          <a:cs typeface="+mn-cs"/>
+        </a:defRPr>
+      </a:lvl7pPr>
+      <a:lvl8pPr marL="3200400" algn="l" defTabSz="914400" rtl="0" eaLnBrk="1" latinLnBrk="0" hangingPunct="1">
+        <a:defRPr sz="1800" kern="1200">
+          <a:solidFill>
+            <a:schemeClr val="tx1"/>
+          </a:solidFill>
+          <a:latin typeface="+mn-lt"/>
+          <a:ea typeface="+mn-ea"/>
+          <a:cs typeface="+mn-cs"/>
+        </a:defRPr>
+      </a:lvl8pPr>
+      <a:lvl9pPr marL="3657600" algn="l" defTabSz="914400" rtl="0" eaLnBrk="1" latinLnBrk="0" hangingPunct="1">
+        <a:defRPr sz="1800" kern="1200">
+          <a:solidFill>
+            <a:schemeClr val="tx1"/>
+          </a:solidFill>
+          <a:latin typeface="+mn-lt"/>
+          <a:ea typeface="+mn-ea"/>
+          <a:cs typeface="+mn-cs"/>
+        </a:defRPr>
+      </a:lvl9pPr>
+    </p:otherStyle>
+  </p:txStyles>
+</p:sldMaster>
 </file>
 
-<file path=ppt/slides/slide2.xml><?xml version="1.0" encoding="utf-8"?>
+<file path=ppt/slides/slide1.xml><?xml version="1.0" encoding="utf-8"?>
 <p:sld xmlns:a="http://schemas.openxmlformats.org/drawingml/2006/main" xmlns:r="http://schemas.openxmlformats.org/officeDocument/2006/relationships" xmlns:p="http://schemas.openxmlformats.org/presentationml/2006/main">
   <p:cSld>
+    <p:bg>
+      <p:bgPr>
+        <a:solidFill>
+          <a:schemeClr val="bg1"/>
+        </a:solidFill>
+        <a:effectLst/>
+      </p:bgPr>
+    </p:bg>
     <p:spTree>
       <p:nvGrpSpPr>
         <p:cNvPr id="1" name=""/>
@@ -15371,133 +19093,169 @@
       </p:grpSpPr>
       <p:sp>
         <p:nvSpPr>
-          <p:cNvPr id="11" name="Hộp Văn bản 10">
+          <p:cNvPr id="20" name="Rectangle 19">
             <a:extLst>
               <a:ext uri="{FF2B5EF4-FFF2-40B4-BE49-F238E27FC236}">
-                <a16:creationId xmlns:a16="http://schemas.microsoft.com/office/drawing/2014/main" id="{3A1ADCF6-EA06-4C23-887C-06AF87E4CD13}"/>
+                <a16:creationId xmlns:a16="http://schemas.microsoft.com/office/drawing/2014/main" id="{23962611-DFD5-4092-AAFD-559E3DFCE2C9}"/>
               </a:ext>
             </a:extLst>
           </p:cNvPr>
-          <p:cNvSpPr txBox="1"/>
-          <p:nvPr/>
+          <p:cNvSpPr>
+            <a:spLocks noGrp="1" noRot="1" noChangeAspect="1" noMove="1" noResize="1" noEditPoints="1" noAdjustHandles="1" noChangeArrowheads="1" noChangeShapeType="1" noTextEdit="1"/>
+          </p:cNvSpPr>
+          <p:nvPr>
+            <p:extLst>
+              <p:ext uri="{386F3935-93C4-4BCD-93E2-E3B085C9AB24}">
+                <p16:designElem xmlns:p16="http://schemas.microsoft.com/office/powerpoint/2015/main" val="1"/>
+              </p:ext>
+            </p:extLst>
+          </p:nvPr>
         </p:nvSpPr>
         <p:spPr>
           <a:xfrm>
-            <a:off x="1091971" y="2458995"/>
-            <a:ext cx="990829" cy="2062103"/>
+            <a:off x="475488" y="0"/>
+            <a:ext cx="10910292" cy="6858000"/>
           </a:xfrm>
           <a:prstGeom prst="rect">
             <a:avLst/>
           </a:prstGeom>
-          <a:noFill/>
+          <a:gradFill>
+            <a:gsLst>
+              <a:gs pos="0">
+                <a:schemeClr val="accent1">
+                  <a:lumMod val="90000"/>
+                </a:schemeClr>
+              </a:gs>
+              <a:gs pos="25000">
+                <a:schemeClr val="accent1">
+                  <a:lumMod val="90000"/>
+                </a:schemeClr>
+              </a:gs>
+              <a:gs pos="94000">
+                <a:schemeClr val="bg2">
+                  <a:lumMod val="25000"/>
+                </a:schemeClr>
+              </a:gs>
+              <a:gs pos="100000">
+                <a:schemeClr val="bg2">
+                  <a:lumMod val="25000"/>
+                </a:schemeClr>
+              </a:gs>
+            </a:gsLst>
+            <a:lin ang="4200000" scaled="0"/>
+          </a:gradFill>
+          <a:ln>
+            <a:noFill/>
+          </a:ln>
+        </p:spPr>
+        <p:style>
+          <a:lnRef idx="2">
+            <a:schemeClr val="accent1">
+              <a:shade val="50000"/>
+            </a:schemeClr>
+          </a:lnRef>
+          <a:fillRef idx="1">
+            <a:schemeClr val="accent1"/>
+          </a:fillRef>
+          <a:effectRef idx="0">
+            <a:schemeClr val="accent1"/>
+          </a:effectRef>
+          <a:fontRef idx="minor">
+            <a:schemeClr val="lt1"/>
+          </a:fontRef>
+        </p:style>
+        <p:txBody>
+          <a:bodyPr rtlCol="0" anchor="ctr"/>
+          <a:lstStyle/>
+          <a:p>
+            <a:pPr algn="ctr"/>
+            <a:endParaRPr lang="en-US"/>
+          </a:p>
+        </p:txBody>
+      </p:sp>
+      <p:pic>
+        <p:nvPicPr>
+          <p:cNvPr id="22" name="Picture 21">
+            <a:extLst>
+              <a:ext uri="{FF2B5EF4-FFF2-40B4-BE49-F238E27FC236}">
+                <a16:creationId xmlns:a16="http://schemas.microsoft.com/office/drawing/2014/main" id="{390384A3-54A0-48F2-9D54-B4C3B266BFA2}"/>
+              </a:ext>
+            </a:extLst>
+          </p:cNvPr>
+          <p:cNvPicPr>
+            <a:picLocks noGrp="1" noRot="1" noChangeAspect="1" noMove="1" noResize="1" noEditPoints="1" noAdjustHandles="1" noChangeArrowheads="1" noChangeShapeType="1" noCrop="1"/>
+          </p:cNvPicPr>
+          <p:nvPr>
+            <p:extLst>
+              <p:ext uri="{386F3935-93C4-4BCD-93E2-E3B085C9AB24}">
+                <p16:designElem xmlns:p16="http://schemas.microsoft.com/office/powerpoint/2015/main" val="1"/>
+              </p:ext>
+            </p:extLst>
+          </p:nvPr>
+        </p:nvPicPr>
+        <p:blipFill>
+          <a:blip r:embed="rId2">
+            <a:extLst>
+              <a:ext uri="{28A0092B-C50C-407E-A947-70E740481C1C}">
+                <a14:useLocalDpi xmlns:a14="http://schemas.microsoft.com/office/drawing/2010/main" val="0"/>
+              </a:ext>
+            </a:extLst>
+          </a:blip>
+          <a:stretch>
+            <a:fillRect/>
+          </a:stretch>
+        </p:blipFill>
+        <p:spPr>
+          <a:xfrm>
+            <a:off x="0" y="0"/>
+            <a:ext cx="12192000" cy="6858000"/>
+          </a:xfrm>
+          <a:prstGeom prst="rect">
+            <a:avLst/>
+          </a:prstGeom>
+        </p:spPr>
+      </p:pic>
+      <p:sp>
+        <p:nvSpPr>
+          <p:cNvPr id="11" name="タイトル 10"/>
+          <p:cNvSpPr>
+            <a:spLocks noGrp="1"/>
+          </p:cNvSpPr>
+          <p:nvPr>
+            <p:ph type="title"/>
+          </p:nvPr>
+        </p:nvSpPr>
+        <p:spPr>
+          <a:xfrm>
+            <a:off x="3045368" y="2043663"/>
+            <a:ext cx="6105194" cy="2031055"/>
+          </a:xfrm>
         </p:spPr>
         <p:txBody>
-          <a:bodyPr wrap="square" rtlCol="0">
-            <a:spAutoFit/>
+          <a:bodyPr vert="horz" lIns="91440" tIns="45720" rIns="91440" bIns="45720" rtlCol="0" anchor="b">
+            <a:normAutofit/>
           </a:bodyPr>
           <a:lstStyle/>
           <a:p>
-            <a:pPr marL="0" marR="0" lvl="0" indent="0" algn="ctr" defTabSz="914400" rtl="0" eaLnBrk="1" fontAlgn="auto" latinLnBrk="0" hangingPunct="1">
-              <a:lnSpc>
-                <a:spcPct val="100000"/>
-              </a:lnSpc>
-              <a:spcBef>
-                <a:spcPts val="0"/>
-              </a:spcBef>
-              <a:spcAft>
-                <a:spcPts val="0"/>
-              </a:spcAft>
-              <a:buClrTx/>
-              <a:buSzTx/>
-              <a:buFontTx/>
-              <a:buNone/>
-              <a:tabLst/>
-              <a:defRPr/>
-            </a:pPr>
+            <a:pPr algn="ctr"/>
             <a:r>
-              <a:rPr kumimoji="0" lang="en-US" sz="3200" b="0" i="0" u="none" strike="noStrike" kern="1200" cap="none" spc="0" normalizeH="0" baseline="0" noProof="0">
-                <a:ln>
-                  <a:noFill/>
-                </a:ln>
+              <a:rPr lang="en-US" altLang="ja-JP" sz="6000" kern="1200">
                 <a:solidFill>
-                  <a:srgbClr val="00CCFF">
-                    <a:lumMod val="40000"/>
-                    <a:lumOff val="60000"/>
-                  </a:srgbClr>
+                  <a:srgbClr val="FFFFFF"/>
                 </a:solidFill>
-                <a:effectLst/>
-                <a:uLnTx/>
-                <a:uFillTx/>
-                <a:latin typeface="Crimson Text"/>
-                <a:cs typeface="+mn-cs"/>
+                <a:latin typeface="+mj-lt"/>
+                <a:ea typeface="+mj-ea"/>
+                <a:cs typeface="+mj-cs"/>
               </a:rPr>
-              <a:t>Biểu </a:t>
+              <a:t>MÔ HÌNH HÀNH VI</a:t>
             </a:r>
-          </a:p>
-          <a:p>
-            <a:pPr marL="0" marR="0" lvl="0" indent="0" algn="ctr" defTabSz="914400" rtl="0" eaLnBrk="1" fontAlgn="auto" latinLnBrk="0" hangingPunct="1">
-              <a:lnSpc>
-                <a:spcPct val="100000"/>
-              </a:lnSpc>
-              <a:spcBef>
-                <a:spcPts val="0"/>
-              </a:spcBef>
-              <a:spcAft>
-                <a:spcPts val="0"/>
-              </a:spcAft>
-              <a:buClrTx/>
-              <a:buSzTx/>
-              <a:buFontTx/>
-              <a:buNone/>
-              <a:tabLst/>
-              <a:defRPr/>
-            </a:pPr>
-            <a:r>
-              <a:rPr kumimoji="0" lang="en-US" sz="3200" b="0" i="0" u="none" strike="noStrike" kern="1200" cap="none" spc="0" normalizeH="0" baseline="0" noProof="0">
-                <a:ln>
-                  <a:noFill/>
-                </a:ln>
-                <a:solidFill>
-                  <a:srgbClr val="00CCFF">
-                    <a:lumMod val="40000"/>
-                    <a:lumOff val="60000"/>
-                  </a:srgbClr>
-                </a:solidFill>
-                <a:effectLst/>
-                <a:uLnTx/>
-                <a:uFillTx/>
-                <a:latin typeface="Crimson Text"/>
-                <a:cs typeface="+mn-cs"/>
-              </a:rPr>
-              <a:t>đồ </a:t>
-            </a:r>
-            <a:r>
-              <a:rPr lang="en-US" sz="3200">
-                <a:solidFill>
-                  <a:srgbClr val="00CCFF">
-                    <a:lumMod val="40000"/>
-                    <a:lumOff val="60000"/>
-                  </a:srgbClr>
-                </a:solidFill>
-                <a:latin typeface="Crimson Text"/>
-              </a:rPr>
-              <a:t>trình tự</a:t>
-            </a:r>
-            <a:endParaRPr kumimoji="0" lang="en-US" sz="3200" b="0" i="0" u="none" strike="noStrike" kern="1200" cap="none" spc="0" normalizeH="0" baseline="0" noProof="0">
-              <a:ln>
-                <a:noFill/>
-              </a:ln>
+            <a:endParaRPr kumimoji="1" lang="en-US" altLang="ja-JP" sz="6000" kern="1200">
               <a:solidFill>
-                <a:srgbClr val="00CCFF">
-                  <a:lumMod val="40000"/>
-                  <a:lumOff val="60000"/>
-                </a:srgbClr>
+                <a:srgbClr val="FFFFFF"/>
               </a:solidFill>
-              <a:effectLst/>
-              <a:uLnTx/>
-              <a:uFillTx/>
-              <a:latin typeface="Crimson Text"/>
-              <a:cs typeface="+mn-cs"/>
+              <a:latin typeface="+mj-lt"/>
+              <a:ea typeface="+mj-ea"/>
+              <a:cs typeface="+mj-cs"/>
             </a:endParaRPr>
           </a:p>
         </p:txBody>
@@ -15505,7 +19263,7 @@
     </p:spTree>
     <p:extLst>
       <p:ext uri="{BB962C8B-B14F-4D97-AF65-F5344CB8AC3E}">
-        <p14:creationId xmlns:p14="http://schemas.microsoft.com/office/powerpoint/2010/main" val="3040315531"/>
+        <p14:creationId xmlns:p14="http://schemas.microsoft.com/office/powerpoint/2010/main" val="2200155798"/>
       </p:ext>
     </p:extLst>
   </p:cSld>
@@ -15741,4 +19499,299 @@
   <a:objectDefaults/>
   <a:extraClrSchemeLst/>
 </a:theme>
+</file>
+
+<file path=ppt/theme/theme2.xml><?xml version="1.0" encoding="utf-8"?>
+<a:theme xmlns:a="http://schemas.openxmlformats.org/drawingml/2006/main" name="Office Theme">
+  <a:themeElements>
+    <a:clrScheme name="Office">
+      <a:dk1>
+        <a:sysClr val="windowText" lastClr="000000"/>
+      </a:dk1>
+      <a:lt1>
+        <a:sysClr val="window" lastClr="FFFFFF"/>
+      </a:lt1>
+      <a:dk2>
+        <a:srgbClr val="44546A"/>
+      </a:dk2>
+      <a:lt2>
+        <a:srgbClr val="E7E6E6"/>
+      </a:lt2>
+      <a:accent1>
+        <a:srgbClr val="4472C4"/>
+      </a:accent1>
+      <a:accent2>
+        <a:srgbClr val="ED7D31"/>
+      </a:accent2>
+      <a:accent3>
+        <a:srgbClr val="A5A5A5"/>
+      </a:accent3>
+      <a:accent4>
+        <a:srgbClr val="FFC000"/>
+      </a:accent4>
+      <a:accent5>
+        <a:srgbClr val="5B9BD5"/>
+      </a:accent5>
+      <a:accent6>
+        <a:srgbClr val="70AD47"/>
+      </a:accent6>
+      <a:hlink>
+        <a:srgbClr val="0563C1"/>
+      </a:hlink>
+      <a:folHlink>
+        <a:srgbClr val="954F72"/>
+      </a:folHlink>
+    </a:clrScheme>
+    <a:fontScheme name="Office">
+      <a:majorFont>
+        <a:latin typeface="Calibri Light" panose="020F0302020204030204"/>
+        <a:ea typeface=""/>
+        <a:cs typeface=""/>
+        <a:font script="Jpan" typeface="游ゴシック Light"/>
+        <a:font script="Hang" typeface="맑은 고딕"/>
+        <a:font script="Hans" typeface="等线 Light"/>
+        <a:font script="Hant" typeface="新細明體"/>
+        <a:font script="Arab" typeface="Times New Roman"/>
+        <a:font script="Hebr" typeface="Times New Roman"/>
+        <a:font script="Thai" typeface="Angsana New"/>
+        <a:font script="Ethi" typeface="Nyala"/>
+        <a:font script="Beng" typeface="Vrinda"/>
+        <a:font script="Gujr" typeface="Shruti"/>
+        <a:font script="Khmr" typeface="MoolBoran"/>
+        <a:font script="Knda" typeface="Tunga"/>
+        <a:font script="Guru" typeface="Raavi"/>
+        <a:font script="Cans" typeface="Euphemia"/>
+        <a:font script="Cher" typeface="Plantagenet Cherokee"/>
+        <a:font script="Yiii" typeface="Microsoft Yi Baiti"/>
+        <a:font script="Tibt" typeface="Microsoft Himalaya"/>
+        <a:font script="Thaa" typeface="MV Boli"/>
+        <a:font script="Deva" typeface="Mangal"/>
+        <a:font script="Telu" typeface="Gautami"/>
+        <a:font script="Taml" typeface="Latha"/>
+        <a:font script="Syrc" typeface="Estrangelo Edessa"/>
+        <a:font script="Orya" typeface="Kalinga"/>
+        <a:font script="Mlym" typeface="Kartika"/>
+        <a:font script="Laoo" typeface="DokChampa"/>
+        <a:font script="Sinh" typeface="Iskoola Pota"/>
+        <a:font script="Mong" typeface="Mongolian Baiti"/>
+        <a:font script="Viet" typeface="Times New Roman"/>
+        <a:font script="Uigh" typeface="Microsoft Uighur"/>
+        <a:font script="Geor" typeface="Sylfaen"/>
+        <a:font script="Armn" typeface="Arial"/>
+        <a:font script="Bugi" typeface="Leelawadee UI"/>
+        <a:font script="Bopo" typeface="Microsoft JhengHei"/>
+        <a:font script="Java" typeface="Javanese Text"/>
+        <a:font script="Lisu" typeface="Segoe UI"/>
+        <a:font script="Mymr" typeface="Myanmar Text"/>
+        <a:font script="Nkoo" typeface="Ebrima"/>
+        <a:font script="Olck" typeface="Nirmala UI"/>
+        <a:font script="Osma" typeface="Ebrima"/>
+        <a:font script="Phag" typeface="Phagspa"/>
+        <a:font script="Syrn" typeface="Estrangelo Edessa"/>
+        <a:font script="Syrj" typeface="Estrangelo Edessa"/>
+        <a:font script="Syre" typeface="Estrangelo Edessa"/>
+        <a:font script="Sora" typeface="Nirmala UI"/>
+        <a:font script="Tale" typeface="Microsoft Tai Le"/>
+        <a:font script="Talu" typeface="Microsoft New Tai Lue"/>
+        <a:font script="Tfng" typeface="Ebrima"/>
+      </a:majorFont>
+      <a:minorFont>
+        <a:latin typeface="Calibri" panose="020F0502020204030204"/>
+        <a:ea typeface=""/>
+        <a:cs typeface=""/>
+        <a:font script="Jpan" typeface="游ゴシック"/>
+        <a:font script="Hang" typeface="맑은 고딕"/>
+        <a:font script="Hans" typeface="等线"/>
+        <a:font script="Hant" typeface="新細明體"/>
+        <a:font script="Arab" typeface="Arial"/>
+        <a:font script="Hebr" typeface="Arial"/>
+        <a:font script="Thai" typeface="Cordia New"/>
+        <a:font script="Ethi" typeface="Nyala"/>
+        <a:font script="Beng" typeface="Vrinda"/>
+        <a:font script="Gujr" typeface="Shruti"/>
+        <a:font script="Khmr" typeface="DaunPenh"/>
+        <a:font script="Knda" typeface="Tunga"/>
+        <a:font script="Guru" typeface="Raavi"/>
+        <a:font script="Cans" typeface="Euphemia"/>
+        <a:font script="Cher" typeface="Plantagenet Cherokee"/>
+        <a:font script="Yiii" typeface="Microsoft Yi Baiti"/>
+        <a:font script="Tibt" typeface="Microsoft Himalaya"/>
+        <a:font script="Thaa" typeface="MV Boli"/>
+        <a:font script="Deva" typeface="Mangal"/>
+        <a:font script="Telu" typeface="Gautami"/>
+        <a:font script="Taml" typeface="Latha"/>
+        <a:font script="Syrc" typeface="Estrangelo Edessa"/>
+        <a:font script="Orya" typeface="Kalinga"/>
+        <a:font script="Mlym" typeface="Kartika"/>
+        <a:font script="Laoo" typeface="DokChampa"/>
+        <a:font script="Sinh" typeface="Iskoola Pota"/>
+        <a:font script="Mong" typeface="Mongolian Baiti"/>
+        <a:font script="Viet" typeface="Arial"/>
+        <a:font script="Uigh" typeface="Microsoft Uighur"/>
+        <a:font script="Geor" typeface="Sylfaen"/>
+        <a:font script="Armn" typeface="Arial"/>
+        <a:font script="Bugi" typeface="Leelawadee UI"/>
+        <a:font script="Bopo" typeface="Microsoft JhengHei"/>
+        <a:font script="Java" typeface="Javanese Text"/>
+        <a:font script="Lisu" typeface="Segoe UI"/>
+        <a:font script="Mymr" typeface="Myanmar Text"/>
+        <a:font script="Nkoo" typeface="Ebrima"/>
+        <a:font script="Olck" typeface="Nirmala UI"/>
+        <a:font script="Osma" typeface="Ebrima"/>
+        <a:font script="Phag" typeface="Phagspa"/>
+        <a:font script="Syrn" typeface="Estrangelo Edessa"/>
+        <a:font script="Syrj" typeface="Estrangelo Edessa"/>
+        <a:font script="Syre" typeface="Estrangelo Edessa"/>
+        <a:font script="Sora" typeface="Nirmala UI"/>
+        <a:font script="Tale" typeface="Microsoft Tai Le"/>
+        <a:font script="Talu" typeface="Microsoft New Tai Lue"/>
+        <a:font script="Tfng" typeface="Ebrima"/>
+      </a:minorFont>
+    </a:fontScheme>
+    <a:fmtScheme name="Office">
+      <a:fillStyleLst>
+        <a:solidFill>
+          <a:schemeClr val="phClr"/>
+        </a:solidFill>
+        <a:gradFill rotWithShape="1">
+          <a:gsLst>
+            <a:gs pos="0">
+              <a:schemeClr val="phClr">
+                <a:lumMod val="110000"/>
+                <a:satMod val="105000"/>
+                <a:tint val="67000"/>
+              </a:schemeClr>
+            </a:gs>
+            <a:gs pos="50000">
+              <a:schemeClr val="phClr">
+                <a:lumMod val="105000"/>
+                <a:satMod val="103000"/>
+                <a:tint val="73000"/>
+              </a:schemeClr>
+            </a:gs>
+            <a:gs pos="100000">
+              <a:schemeClr val="phClr">
+                <a:lumMod val="105000"/>
+                <a:satMod val="109000"/>
+                <a:tint val="81000"/>
+              </a:schemeClr>
+            </a:gs>
+          </a:gsLst>
+          <a:lin ang="5400000" scaled="0"/>
+        </a:gradFill>
+        <a:gradFill rotWithShape="1">
+          <a:gsLst>
+            <a:gs pos="0">
+              <a:schemeClr val="phClr">
+                <a:satMod val="103000"/>
+                <a:lumMod val="102000"/>
+                <a:tint val="94000"/>
+              </a:schemeClr>
+            </a:gs>
+            <a:gs pos="50000">
+              <a:schemeClr val="phClr">
+                <a:satMod val="110000"/>
+                <a:lumMod val="100000"/>
+                <a:shade val="100000"/>
+              </a:schemeClr>
+            </a:gs>
+            <a:gs pos="100000">
+              <a:schemeClr val="phClr">
+                <a:lumMod val="99000"/>
+                <a:satMod val="120000"/>
+                <a:shade val="78000"/>
+              </a:schemeClr>
+            </a:gs>
+          </a:gsLst>
+          <a:lin ang="5400000" scaled="0"/>
+        </a:gradFill>
+      </a:fillStyleLst>
+      <a:lnStyleLst>
+        <a:ln w="6350" cap="flat" cmpd="sng" algn="ctr">
+          <a:solidFill>
+            <a:schemeClr val="phClr"/>
+          </a:solidFill>
+          <a:prstDash val="solid"/>
+          <a:miter lim="800000"/>
+        </a:ln>
+        <a:ln w="12700" cap="flat" cmpd="sng" algn="ctr">
+          <a:solidFill>
+            <a:schemeClr val="phClr"/>
+          </a:solidFill>
+          <a:prstDash val="solid"/>
+          <a:miter lim="800000"/>
+        </a:ln>
+        <a:ln w="19050" cap="flat" cmpd="sng" algn="ctr">
+          <a:solidFill>
+            <a:schemeClr val="phClr"/>
+          </a:solidFill>
+          <a:prstDash val="solid"/>
+          <a:miter lim="800000"/>
+        </a:ln>
+      </a:lnStyleLst>
+      <a:effectStyleLst>
+        <a:effectStyle>
+          <a:effectLst/>
+        </a:effectStyle>
+        <a:effectStyle>
+          <a:effectLst/>
+        </a:effectStyle>
+        <a:effectStyle>
+          <a:effectLst>
+            <a:outerShdw blurRad="57150" dist="19050" dir="5400000" algn="ctr" rotWithShape="0">
+              <a:srgbClr val="000000">
+                <a:alpha val="63000"/>
+              </a:srgbClr>
+            </a:outerShdw>
+          </a:effectLst>
+        </a:effectStyle>
+      </a:effectStyleLst>
+      <a:bgFillStyleLst>
+        <a:solidFill>
+          <a:schemeClr val="phClr"/>
+        </a:solidFill>
+        <a:solidFill>
+          <a:schemeClr val="phClr">
+            <a:tint val="95000"/>
+            <a:satMod val="170000"/>
+          </a:schemeClr>
+        </a:solidFill>
+        <a:gradFill rotWithShape="1">
+          <a:gsLst>
+            <a:gs pos="0">
+              <a:schemeClr val="phClr">
+                <a:tint val="93000"/>
+                <a:satMod val="150000"/>
+                <a:shade val="98000"/>
+                <a:lumMod val="102000"/>
+              </a:schemeClr>
+            </a:gs>
+            <a:gs pos="50000">
+              <a:schemeClr val="phClr">
+                <a:tint val="98000"/>
+                <a:satMod val="130000"/>
+                <a:shade val="90000"/>
+                <a:lumMod val="103000"/>
+              </a:schemeClr>
+            </a:gs>
+            <a:gs pos="100000">
+              <a:schemeClr val="phClr">
+                <a:shade val="63000"/>
+                <a:satMod val="120000"/>
+              </a:schemeClr>
+            </a:gs>
+          </a:gsLst>
+          <a:lin ang="5400000" scaled="0"/>
+        </a:gradFill>
+      </a:bgFillStyleLst>
+    </a:fmtScheme>
+  </a:themeElements>
+  <a:objectDefaults/>
+  <a:extraClrSchemeLst/>
+  <a:extLst>
+    <a:ext uri="{05A4C25C-085E-4340-85A3-A5531E510DB2}">
+      <thm15:themeFamily xmlns:thm15="http://schemas.microsoft.com/office/thememl/2012/main" name="Office Theme" id="{62F939B6-93AF-4DB8-9C6B-D6C7DFDC589F}" vid="{4A3C46E8-61CC-4603-A589-7422A47A8E4A}"/>
+    </a:ext>
+  </a:extLst>
+</a:theme>
 </file>
--- a/[PTTKHT]_[NhomBKFS]_[97593]/MÔ HÌNH HÀNH VI.pptx
+++ b/[PTTKHT]_[NhomBKFS]_[97593]/MÔ HÌNH HÀNH VI.pptx
@@ -7,6 +7,7 @@
   </p:sldMasterIdLst>
   <p:sldIdLst>
     <p:sldId id="258" r:id="rId3"/>
+    <p:sldId id="259" r:id="rId4"/>
   </p:sldIdLst>
   <p:sldSz cx="12192000" cy="6858000"/>
   <p:notesSz cx="6858000" cy="9144000"/>
@@ -19276,6 +19277,61 @@
 </p:sld>
 </file>
 
+<file path=ppt/slides/slide2.xml><?xml version="1.0" encoding="utf-8"?>
+<p:sld xmlns:a="http://schemas.openxmlformats.org/drawingml/2006/main" xmlns:r="http://schemas.openxmlformats.org/officeDocument/2006/relationships" xmlns:p="http://schemas.openxmlformats.org/presentationml/2006/main">
+  <p:cSld>
+    <p:spTree>
+      <p:nvGrpSpPr>
+        <p:cNvPr id="1" name=""/>
+        <p:cNvGrpSpPr/>
+        <p:nvPr/>
+      </p:nvGrpSpPr>
+      <p:grpSpPr>
+        <a:xfrm>
+          <a:off x="0" y="0"/>
+          <a:ext cx="0" cy="0"/>
+          <a:chOff x="0" y="0"/>
+          <a:chExt cx="0" cy="0"/>
+        </a:xfrm>
+      </p:grpSpPr>
+      <p:sp>
+        <p:nvSpPr>
+          <p:cNvPr id="3" name="Chỗ dành sẵn cho Văn bản 2">
+            <a:extLst>
+              <a:ext uri="{FF2B5EF4-FFF2-40B4-BE49-F238E27FC236}">
+                <a16:creationId xmlns:a16="http://schemas.microsoft.com/office/drawing/2014/main" id="{DE53ABEA-1191-4CAB-8F1C-B71E171E09EB}"/>
+              </a:ext>
+            </a:extLst>
+          </p:cNvPr>
+          <p:cNvSpPr>
+            <a:spLocks noGrp="1"/>
+          </p:cNvSpPr>
+          <p:nvPr>
+            <p:ph type="body" sz="quarter" idx="12"/>
+          </p:nvPr>
+        </p:nvSpPr>
+        <p:spPr/>
+        <p:txBody>
+          <a:bodyPr/>
+          <a:lstStyle/>
+          <a:p>
+            <a:endParaRPr lang="en-US"/>
+          </a:p>
+        </p:txBody>
+      </p:sp>
+    </p:spTree>
+    <p:extLst>
+      <p:ext uri="{BB962C8B-B14F-4D97-AF65-F5344CB8AC3E}">
+        <p14:creationId xmlns:p14="http://schemas.microsoft.com/office/powerpoint/2010/main" val="4240988637"/>
+      </p:ext>
+    </p:extLst>
+  </p:cSld>
+  <p:clrMapOvr>
+    <a:masterClrMapping/>
+  </p:clrMapOvr>
+</p:sld>
+</file>
+
 <file path=ppt/theme/theme1.xml><?xml version="1.0" encoding="utf-8"?>
 <a:theme xmlns:a="http://schemas.openxmlformats.org/drawingml/2006/main" name="Title">
   <a:themeElements>
